--- a/Checkpoint_1st.pptx
+++ b/Checkpoint_1st.pptx
@@ -338,7 +338,7 @@
           <a:p>
             <a:fld id="{9810DC50-731D-4989-8A15-383846CB48F5}" type="datetimeFigureOut">
               <a:rPr lang="ko-KR" altLang="en-US" smtClean="0"/>
-              <a:t>2021-04-17</a:t>
+              <a:t>2021-04-18</a:t>
             </a:fld>
             <a:endParaRPr lang="ko-KR" altLang="en-US"/>
           </a:p>
@@ -536,7 +536,7 @@
           <a:p>
             <a:fld id="{9810DC50-731D-4989-8A15-383846CB48F5}" type="datetimeFigureOut">
               <a:rPr lang="ko-KR" altLang="en-US" smtClean="0"/>
-              <a:t>2021-04-17</a:t>
+              <a:t>2021-04-18</a:t>
             </a:fld>
             <a:endParaRPr lang="ko-KR" altLang="en-US"/>
           </a:p>
@@ -744,7 +744,7 @@
           <a:p>
             <a:fld id="{9810DC50-731D-4989-8A15-383846CB48F5}" type="datetimeFigureOut">
               <a:rPr lang="ko-KR" altLang="en-US" smtClean="0"/>
-              <a:t>2021-04-17</a:t>
+              <a:t>2021-04-18</a:t>
             </a:fld>
             <a:endParaRPr lang="ko-KR" altLang="en-US"/>
           </a:p>
@@ -972,7 +972,7 @@
           <a:p>
             <a:fld id="{9810DC50-731D-4989-8A15-383846CB48F5}" type="datetimeFigureOut">
               <a:rPr lang="ko-KR" altLang="en-US" smtClean="0"/>
-              <a:t>2021-04-17</a:t>
+              <a:t>2021-04-18</a:t>
             </a:fld>
             <a:endParaRPr lang="ko-KR" altLang="en-US"/>
           </a:p>
@@ -1247,7 +1247,7 @@
           <a:p>
             <a:fld id="{9810DC50-731D-4989-8A15-383846CB48F5}" type="datetimeFigureOut">
               <a:rPr lang="ko-KR" altLang="en-US" smtClean="0"/>
-              <a:t>2021-04-17</a:t>
+              <a:t>2021-04-18</a:t>
             </a:fld>
             <a:endParaRPr lang="ko-KR" altLang="en-US"/>
           </a:p>
@@ -1512,7 +1512,7 @@
           <a:p>
             <a:fld id="{9810DC50-731D-4989-8A15-383846CB48F5}" type="datetimeFigureOut">
               <a:rPr lang="ko-KR" altLang="en-US" smtClean="0"/>
-              <a:t>2021-04-17</a:t>
+              <a:t>2021-04-18</a:t>
             </a:fld>
             <a:endParaRPr lang="ko-KR" altLang="en-US"/>
           </a:p>
@@ -1924,7 +1924,7 @@
           <a:p>
             <a:fld id="{9810DC50-731D-4989-8A15-383846CB48F5}" type="datetimeFigureOut">
               <a:rPr lang="ko-KR" altLang="en-US" smtClean="0"/>
-              <a:t>2021-04-17</a:t>
+              <a:t>2021-04-18</a:t>
             </a:fld>
             <a:endParaRPr lang="ko-KR" altLang="en-US"/>
           </a:p>
@@ -2065,7 +2065,7 @@
           <a:p>
             <a:fld id="{9810DC50-731D-4989-8A15-383846CB48F5}" type="datetimeFigureOut">
               <a:rPr lang="ko-KR" altLang="en-US" smtClean="0"/>
-              <a:t>2021-04-17</a:t>
+              <a:t>2021-04-18</a:t>
             </a:fld>
             <a:endParaRPr lang="ko-KR" altLang="en-US"/>
           </a:p>
@@ -2178,7 +2178,7 @@
           <a:p>
             <a:fld id="{9810DC50-731D-4989-8A15-383846CB48F5}" type="datetimeFigureOut">
               <a:rPr lang="ko-KR" altLang="en-US" smtClean="0"/>
-              <a:t>2021-04-17</a:t>
+              <a:t>2021-04-18</a:t>
             </a:fld>
             <a:endParaRPr lang="ko-KR" altLang="en-US"/>
           </a:p>
@@ -2489,7 +2489,7 @@
           <a:p>
             <a:fld id="{9810DC50-731D-4989-8A15-383846CB48F5}" type="datetimeFigureOut">
               <a:rPr lang="ko-KR" altLang="en-US" smtClean="0"/>
-              <a:t>2021-04-17</a:t>
+              <a:t>2021-04-18</a:t>
             </a:fld>
             <a:endParaRPr lang="ko-KR" altLang="en-US"/>
           </a:p>
@@ -2777,7 +2777,7 @@
           <a:p>
             <a:fld id="{9810DC50-731D-4989-8A15-383846CB48F5}" type="datetimeFigureOut">
               <a:rPr lang="ko-KR" altLang="en-US" smtClean="0"/>
-              <a:t>2021-04-17</a:t>
+              <a:t>2021-04-18</a:t>
             </a:fld>
             <a:endParaRPr lang="ko-KR" altLang="en-US"/>
           </a:p>
@@ -3018,7 +3018,7 @@
           <a:p>
             <a:fld id="{9810DC50-731D-4989-8A15-383846CB48F5}" type="datetimeFigureOut">
               <a:rPr lang="ko-KR" altLang="en-US" smtClean="0"/>
-              <a:t>2021-04-17</a:t>
+              <a:t>2021-04-18</a:t>
             </a:fld>
             <a:endParaRPr lang="ko-KR" altLang="en-US"/>
           </a:p>
@@ -6237,14 +6237,14 @@
           <p:nvPr>
             <p:extLst>
               <p:ext uri="{D42A27DB-BD31-4B8C-83A1-F6EECF244321}">
-                <p14:modId xmlns:p14="http://schemas.microsoft.com/office/powerpoint/2010/main" val="1792739255"/>
+                <p14:modId xmlns:p14="http://schemas.microsoft.com/office/powerpoint/2010/main" val="564848328"/>
               </p:ext>
             </p:extLst>
           </p:nvPr>
         </p:nvGraphicFramePr>
         <p:xfrm>
           <a:off x="762667" y="1512364"/>
-          <a:ext cx="10634340" cy="4815840"/>
+          <a:ext cx="10634340" cy="5059680"/>
         </p:xfrm>
         <a:graphic>
           <a:graphicData uri="http://schemas.openxmlformats.org/drawingml/2006/table">
@@ -6518,272 +6518,6 @@
                       <a:pPr algn="ctr" latinLnBrk="1"/>
                       <a:r>
                         <a:rPr lang="ko-KR" altLang="en-US" sz="1600" dirty="0">
-                          <a:solidFill>
-                            <a:srgbClr val="00002F"/>
-                          </a:solidFill>
-                          <a:latin typeface="나눔스퀘어라운드 ExtraBold" panose="020B0600000101010101" pitchFamily="50" charset="-127"/>
-                          <a:ea typeface="나눔스퀘어라운드 ExtraBold" panose="020B0600000101010101" pitchFamily="50" charset="-127"/>
-                        </a:rPr>
-                        <a:t>유저</a:t>
-                      </a:r>
-                    </a:p>
-                  </a:txBody>
-                  <a:tcPr anchor="ctr">
-                    <a:lnL w="12700" cap="flat" cmpd="sng" algn="ctr">
-                      <a:solidFill>
-                        <a:schemeClr val="tx1"/>
-                      </a:solidFill>
-                      <a:prstDash val="solid"/>
-                      <a:round/>
-                      <a:headEnd type="none" w="med" len="med"/>
-                      <a:tailEnd type="none" w="med" len="med"/>
-                    </a:lnL>
-                    <a:lnR w="12700" cap="flat" cmpd="sng" algn="ctr">
-                      <a:solidFill>
-                        <a:schemeClr val="tx1"/>
-                      </a:solidFill>
-                      <a:prstDash val="solid"/>
-                      <a:round/>
-                      <a:headEnd type="none" w="med" len="med"/>
-                      <a:tailEnd type="none" w="med" len="med"/>
-                    </a:lnR>
-                    <a:lnT w="12700" cap="flat" cmpd="sng" algn="ctr">
-                      <a:solidFill>
-                        <a:schemeClr val="tx1"/>
-                      </a:solidFill>
-                      <a:prstDash val="solid"/>
-                      <a:round/>
-                      <a:headEnd type="none" w="med" len="med"/>
-                      <a:tailEnd type="none" w="med" len="med"/>
-                    </a:lnT>
-                    <a:lnB w="12700" cap="flat" cmpd="sng" algn="ctr">
-                      <a:solidFill>
-                        <a:schemeClr val="tx1"/>
-                      </a:solidFill>
-                      <a:prstDash val="solid"/>
-                      <a:round/>
-                      <a:headEnd type="none" w="med" len="med"/>
-                      <a:tailEnd type="none" w="med" len="med"/>
-                    </a:lnB>
-                    <a:lnTlToBr w="12700" cmpd="sng">
-                      <a:noFill/>
-                      <a:prstDash val="solid"/>
-                    </a:lnTlToBr>
-                    <a:lnBlToTr w="12700" cmpd="sng">
-                      <a:noFill/>
-                      <a:prstDash val="solid"/>
-                    </a:lnBlToTr>
-                    <a:noFill/>
-                  </a:tcPr>
-                </a:tc>
-                <a:tc>
-                  <a:txBody>
-                    <a:bodyPr/>
-                    <a:lstStyle/>
-                    <a:p>
-                      <a:pPr algn="ctr" latinLnBrk="1"/>
-                      <a:r>
-                        <a:rPr lang="ko-KR" altLang="en-US" sz="1600" dirty="0">
-                          <a:latin typeface="나눔스퀘어라운드 ExtraBold" panose="020B0600000101010101" pitchFamily="50" charset="-127"/>
-                          <a:ea typeface="나눔스퀘어라운드 ExtraBold" panose="020B0600000101010101" pitchFamily="50" charset="-127"/>
-                        </a:rPr>
-                        <a:t>크롬 확장프로그램 </a:t>
-                      </a:r>
-                      <a:r>
-                        <a:rPr lang="en-US" altLang="ko-KR" sz="1600" dirty="0">
-                          <a:latin typeface="나눔스퀘어라운드 ExtraBold" panose="020B0600000101010101" pitchFamily="50" charset="-127"/>
-                          <a:ea typeface="나눔스퀘어라운드 ExtraBold" panose="020B0600000101010101" pitchFamily="50" charset="-127"/>
-                        </a:rPr>
-                        <a:t>Review</a:t>
-                      </a:r>
-                      <a:r>
-                        <a:rPr lang="en-US" altLang="ko-KR" sz="1600" baseline="0" dirty="0">
-                          <a:latin typeface="나눔스퀘어라운드 ExtraBold" panose="020B0600000101010101" pitchFamily="50" charset="-127"/>
-                          <a:ea typeface="나눔스퀘어라운드 ExtraBold" panose="020B0600000101010101" pitchFamily="50" charset="-127"/>
-                        </a:rPr>
-                        <a:t> Strainer</a:t>
-                      </a:r>
-                      <a:r>
-                        <a:rPr lang="ko-KR" altLang="en-US" sz="1600" baseline="0" dirty="0">
-                          <a:latin typeface="나눔스퀘어라운드 ExtraBold" panose="020B0600000101010101" pitchFamily="50" charset="-127"/>
-                          <a:ea typeface="나눔스퀘어라운드 ExtraBold" panose="020B0600000101010101" pitchFamily="50" charset="-127"/>
-                        </a:rPr>
-                        <a:t>를 실행</a:t>
-                      </a:r>
-                      <a:r>
-                        <a:rPr lang="en-US" altLang="ko-KR" sz="1600" baseline="0" dirty="0">
-                          <a:latin typeface="나눔스퀘어라운드 ExtraBold" panose="020B0600000101010101" pitchFamily="50" charset="-127"/>
-                          <a:ea typeface="나눔스퀘어라운드 ExtraBold" panose="020B0600000101010101" pitchFamily="50" charset="-127"/>
-                        </a:rPr>
-                        <a:t>, </a:t>
-                      </a:r>
-                      <a:r>
-                        <a:rPr lang="ko-KR" altLang="en-US" sz="1600" baseline="0" dirty="0">
-                          <a:latin typeface="나눔스퀘어라운드 ExtraBold" panose="020B0600000101010101" pitchFamily="50" charset="-127"/>
-                          <a:ea typeface="나눔스퀘어라운드 ExtraBold" panose="020B0600000101010101" pitchFamily="50" charset="-127"/>
-                        </a:rPr>
-                        <a:t>조작하는 것</a:t>
-                      </a:r>
-                      <a:endParaRPr lang="ko-KR" altLang="en-US" sz="1600" dirty="0">
-                        <a:latin typeface="나눔스퀘어라운드 ExtraBold" panose="020B0600000101010101" pitchFamily="50" charset="-127"/>
-                        <a:ea typeface="나눔스퀘어라운드 ExtraBold" panose="020B0600000101010101" pitchFamily="50" charset="-127"/>
-                      </a:endParaRPr>
-                    </a:p>
-                  </a:txBody>
-                  <a:tcPr anchor="ctr">
-                    <a:lnL w="12700" cap="flat" cmpd="sng" algn="ctr">
-                      <a:solidFill>
-                        <a:schemeClr val="tx1"/>
-                      </a:solidFill>
-                      <a:prstDash val="solid"/>
-                      <a:round/>
-                      <a:headEnd type="none" w="med" len="med"/>
-                      <a:tailEnd type="none" w="med" len="med"/>
-                    </a:lnL>
-                    <a:lnR w="12700" cap="flat" cmpd="sng" algn="ctr">
-                      <a:solidFill>
-                        <a:schemeClr val="tx1"/>
-                      </a:solidFill>
-                      <a:prstDash val="solid"/>
-                      <a:round/>
-                      <a:headEnd type="none" w="med" len="med"/>
-                      <a:tailEnd type="none" w="med" len="med"/>
-                    </a:lnR>
-                    <a:lnT w="12700" cap="flat" cmpd="sng" algn="ctr">
-                      <a:solidFill>
-                        <a:schemeClr val="tx1"/>
-                      </a:solidFill>
-                      <a:prstDash val="solid"/>
-                      <a:round/>
-                      <a:headEnd type="none" w="med" len="med"/>
-                      <a:tailEnd type="none" w="med" len="med"/>
-                    </a:lnT>
-                    <a:lnB w="12700" cap="flat" cmpd="sng" algn="ctr">
-                      <a:solidFill>
-                        <a:schemeClr val="tx1"/>
-                      </a:solidFill>
-                      <a:prstDash val="solid"/>
-                      <a:round/>
-                      <a:headEnd type="none" w="med" len="med"/>
-                      <a:tailEnd type="none" w="med" len="med"/>
-                    </a:lnB>
-                    <a:lnTlToBr w="12700" cmpd="sng">
-                      <a:noFill/>
-                      <a:prstDash val="solid"/>
-                    </a:lnTlToBr>
-                    <a:lnBlToTr w="12700" cmpd="sng">
-                      <a:noFill/>
-                      <a:prstDash val="solid"/>
-                    </a:lnBlToTr>
-                    <a:noFill/>
-                  </a:tcPr>
-                </a:tc>
-                <a:tc>
-                  <a:txBody>
-                    <a:bodyPr/>
-                    <a:lstStyle/>
-                    <a:p>
-                      <a:pPr marL="0" marR="0" lvl="0" indent="0" algn="ctr" defTabSz="914400" rtl="0" eaLnBrk="0" fontAlgn="base" latinLnBrk="0" hangingPunct="0">
-                        <a:lnSpc>
-                          <a:spcPct val="100000"/>
-                        </a:lnSpc>
-                        <a:spcBef>
-                          <a:spcPct val="0"/>
-                        </a:spcBef>
-                        <a:spcAft>
-                          <a:spcPct val="0"/>
-                        </a:spcAft>
-                        <a:buClrTx/>
-                        <a:buSzTx/>
-                        <a:buFontTx/>
-                        <a:buNone/>
-                        <a:tabLst/>
-                      </a:pPr>
-                      <a:r>
-                        <a:rPr lang="en-US" altLang="ko-KR" sz="1600" spc="-150" dirty="0">
-                          <a:solidFill>
-                            <a:srgbClr val="00002F"/>
-                          </a:solidFill>
-                          <a:latin typeface="나눔스퀘어라운드 ExtraBold" panose="020B0600000101010101" pitchFamily="50" charset="-127"/>
-                          <a:ea typeface="나눔스퀘어라운드 ExtraBold" panose="020B0600000101010101" pitchFamily="50" charset="-127"/>
-                        </a:rPr>
-                        <a:t>UC-1: </a:t>
-                      </a:r>
-                      <a:r>
-                        <a:rPr lang="ko-KR" altLang="en-US" sz="1600" spc="-150" dirty="0">
-                          <a:solidFill>
-                            <a:srgbClr val="00002F"/>
-                          </a:solidFill>
-                          <a:latin typeface="나눔스퀘어라운드 ExtraBold" panose="020B0600000101010101" pitchFamily="50" charset="-127"/>
-                          <a:ea typeface="나눔스퀘어라운드 ExtraBold" panose="020B0600000101010101" pitchFamily="50" charset="-127"/>
-                        </a:rPr>
-                        <a:t>확장 프로그램 조작</a:t>
-                      </a:r>
-                    </a:p>
-                  </a:txBody>
-                  <a:tcPr anchor="ctr">
-                    <a:lnL w="12700" cap="flat" cmpd="sng" algn="ctr">
-                      <a:solidFill>
-                        <a:schemeClr val="tx1"/>
-                      </a:solidFill>
-                      <a:prstDash val="solid"/>
-                      <a:round/>
-                      <a:headEnd type="none" w="med" len="med"/>
-                      <a:tailEnd type="none" w="med" len="med"/>
-                    </a:lnL>
-                    <a:lnR w="12700" cap="flat" cmpd="sng" algn="ctr">
-                      <a:solidFill>
-                        <a:schemeClr val="tx1"/>
-                      </a:solidFill>
-                      <a:prstDash val="solid"/>
-                      <a:round/>
-                      <a:headEnd type="none" w="med" len="med"/>
-                      <a:tailEnd type="none" w="med" len="med"/>
-                    </a:lnR>
-                    <a:lnT w="12700" cap="flat" cmpd="sng" algn="ctr">
-                      <a:solidFill>
-                        <a:schemeClr val="tx1"/>
-                      </a:solidFill>
-                      <a:prstDash val="solid"/>
-                      <a:round/>
-                      <a:headEnd type="none" w="med" len="med"/>
-                      <a:tailEnd type="none" w="med" len="med"/>
-                    </a:lnT>
-                    <a:lnB w="12700" cap="flat" cmpd="sng" algn="ctr">
-                      <a:solidFill>
-                        <a:schemeClr val="tx1"/>
-                      </a:solidFill>
-                      <a:prstDash val="solid"/>
-                      <a:round/>
-                      <a:headEnd type="none" w="med" len="med"/>
-                      <a:tailEnd type="none" w="med" len="med"/>
-                    </a:lnB>
-                    <a:lnTlToBr w="12700" cmpd="sng">
-                      <a:noFill/>
-                      <a:prstDash val="solid"/>
-                    </a:lnTlToBr>
-                    <a:lnBlToTr w="12700" cmpd="sng">
-                      <a:noFill/>
-                      <a:prstDash val="solid"/>
-                    </a:lnBlToTr>
-                    <a:noFill/>
-                  </a:tcPr>
-                </a:tc>
-                <a:extLst>
-                  <a:ext uri="{0D108BD9-81ED-4DB2-BD59-A6C34878D82A}">
-                    <a16:rowId xmlns:a16="http://schemas.microsoft.com/office/drawing/2014/main" val="751917837"/>
-                  </a:ext>
-                </a:extLst>
-              </a:tr>
-              <a:tr h="0">
-                <a:tc>
-                  <a:txBody>
-                    <a:bodyPr/>
-                    <a:lstStyle/>
-                    <a:p>
-                      <a:pPr algn="ctr" latinLnBrk="1"/>
-                      <a:r>
-                        <a:rPr lang="ko-KR" altLang="en-US" sz="1600" dirty="0">
                           <a:latin typeface="나눔스퀘어라운드 ExtraBold" panose="020B0600000101010101" pitchFamily="50" charset="-127"/>
                           <a:ea typeface="나눔스퀘어라운드 ExtraBold" panose="020B0600000101010101" pitchFamily="50" charset="-127"/>
                         </a:rPr>
@@ -6967,6 +6701,16 @@
                         <a:t>UC-1: </a:t>
                       </a:r>
                       <a:r>
+                        <a:rPr lang="ko-KR" altLang="en-US" sz="1600" spc="-150" dirty="0" err="1">
+                          <a:solidFill>
+                            <a:srgbClr val="00002F"/>
+                          </a:solidFill>
+                          <a:latin typeface="나눔스퀘어라운드 ExtraBold" panose="020B0600000101010101" pitchFamily="50" charset="-127"/>
+                          <a:ea typeface="나눔스퀘어라운드 ExtraBold" panose="020B0600000101010101" pitchFamily="50" charset="-127"/>
+                        </a:rPr>
+                        <a:t>별점</a:t>
+                      </a:r>
+                      <a:r>
                         <a:rPr lang="ko-KR" altLang="en-US" sz="1600" spc="-150" dirty="0">
                           <a:solidFill>
                             <a:srgbClr val="00002F"/>
@@ -6974,8 +6718,25 @@
                           <a:latin typeface="나눔스퀘어라운드 ExtraBold" panose="020B0600000101010101" pitchFamily="50" charset="-127"/>
                           <a:ea typeface="나눔스퀘어라운드 ExtraBold" panose="020B0600000101010101" pitchFamily="50" charset="-127"/>
                         </a:rPr>
-                        <a:t>확장 프로그램 조작</a:t>
-                      </a:r>
+                        <a:t> 기준 필터설정</a:t>
+                      </a:r>
+                      <a:r>
+                        <a:rPr lang="en-US" altLang="ko-KR" sz="1600" spc="-150" dirty="0">
+                          <a:solidFill>
+                            <a:srgbClr val="00002F"/>
+                          </a:solidFill>
+                          <a:latin typeface="나눔스퀘어라운드 ExtraBold" panose="020B0600000101010101" pitchFamily="50" charset="-127"/>
+                          <a:ea typeface="나눔스퀘어라운드 ExtraBold" panose="020B0600000101010101" pitchFamily="50" charset="-127"/>
+                        </a:rPr>
+                        <a:t> </a:t>
+                      </a:r>
+                      <a:endParaRPr lang="ko-KR" altLang="en-US" sz="1600" spc="-150" dirty="0">
+                        <a:solidFill>
+                          <a:srgbClr val="00002F"/>
+                        </a:solidFill>
+                        <a:latin typeface="나눔스퀘어라운드 ExtraBold" panose="020B0600000101010101" pitchFamily="50" charset="-127"/>
+                        <a:ea typeface="나눔스퀘어라운드 ExtraBold" panose="020B0600000101010101" pitchFamily="50" charset="-127"/>
+                      </a:endParaRPr>
                     </a:p>
                   </a:txBody>
                   <a:tcPr anchor="ctr">
@@ -7028,7 +6789,7 @@
                 </a:tc>
                 <a:extLst>
                   <a:ext uri="{0D108BD9-81ED-4DB2-BD59-A6C34878D82A}">
-                    <a16:rowId xmlns:a16="http://schemas.microsoft.com/office/drawing/2014/main" val="3935810322"/>
+                    <a16:rowId xmlns:a16="http://schemas.microsoft.com/office/drawing/2014/main" val="751917837"/>
                   </a:ext>
                 </a:extLst>
               </a:tr>
@@ -7214,7 +6975,7 @@
                           <a:latin typeface="나눔스퀘어라운드 ExtraBold" panose="020B0600000101010101" pitchFamily="50" charset="-127"/>
                           <a:ea typeface="나눔스퀘어라운드 ExtraBold" panose="020B0600000101010101" pitchFamily="50" charset="-127"/>
                         </a:rPr>
-                        <a:t>UC-1: </a:t>
+                        <a:t>UC-2: </a:t>
                       </a:r>
                       <a:r>
                         <a:rPr lang="ko-KR" altLang="en-US" sz="1600" spc="-150" dirty="0">
@@ -7224,7 +6985,7 @@
                           <a:latin typeface="나눔스퀘어라운드 ExtraBold" panose="020B0600000101010101" pitchFamily="50" charset="-127"/>
                           <a:ea typeface="나눔스퀘어라운드 ExtraBold" panose="020B0600000101010101" pitchFamily="50" charset="-127"/>
                         </a:rPr>
-                        <a:t>확장 프로그램 조작</a:t>
+                        <a:t>매크로 리뷰 필터 설정</a:t>
                       </a:r>
                     </a:p>
                   </a:txBody>
@@ -7278,7 +7039,7 @@
                 </a:tc>
                 <a:extLst>
                   <a:ext uri="{0D108BD9-81ED-4DB2-BD59-A6C34878D82A}">
-                    <a16:rowId xmlns:a16="http://schemas.microsoft.com/office/drawing/2014/main" val="124236321"/>
+                    <a16:rowId xmlns:a16="http://schemas.microsoft.com/office/drawing/2014/main" val="3935810322"/>
                   </a:ext>
                 </a:extLst>
               </a:tr>
@@ -7464,7 +7225,7 @@
                           <a:latin typeface="나눔스퀘어라운드 ExtraBold" panose="020B0600000101010101" pitchFamily="50" charset="-127"/>
                           <a:ea typeface="나눔스퀘어라운드 ExtraBold" panose="020B0600000101010101" pitchFamily="50" charset="-127"/>
                         </a:rPr>
-                        <a:t>UC-1: </a:t>
+                        <a:t>UC-3: </a:t>
                       </a:r>
                       <a:r>
                         <a:rPr lang="ko-KR" altLang="en-US" sz="1600" spc="-150" dirty="0">
@@ -7474,8 +7235,25 @@
                           <a:latin typeface="나눔스퀘어라운드 ExtraBold" panose="020B0600000101010101" pitchFamily="50" charset="-127"/>
                           <a:ea typeface="나눔스퀘어라운드 ExtraBold" panose="020B0600000101010101" pitchFamily="50" charset="-127"/>
                         </a:rPr>
-                        <a:t>확장 프로그램 조작</a:t>
-                      </a:r>
+                        <a:t>적절한 리뷰 강조 설정</a:t>
+                      </a:r>
+                      <a:r>
+                        <a:rPr lang="en-US" altLang="ko-KR" sz="1600" spc="-150" dirty="0">
+                          <a:solidFill>
+                            <a:srgbClr val="00002F"/>
+                          </a:solidFill>
+                          <a:latin typeface="나눔스퀘어라운드 ExtraBold" panose="020B0600000101010101" pitchFamily="50" charset="-127"/>
+                          <a:ea typeface="나눔스퀘어라운드 ExtraBold" panose="020B0600000101010101" pitchFamily="50" charset="-127"/>
+                        </a:rPr>
+                        <a:t> </a:t>
+                      </a:r>
+                      <a:endParaRPr lang="ko-KR" altLang="en-US" sz="1600" spc="-150" dirty="0">
+                        <a:solidFill>
+                          <a:srgbClr val="00002F"/>
+                        </a:solidFill>
+                        <a:latin typeface="나눔스퀘어라운드 ExtraBold" panose="020B0600000101010101" pitchFamily="50" charset="-127"/>
+                        <a:ea typeface="나눔스퀘어라운드 ExtraBold" panose="020B0600000101010101" pitchFamily="50" charset="-127"/>
+                      </a:endParaRPr>
                     </a:p>
                   </a:txBody>
                   <a:tcPr anchor="ctr">
@@ -7528,7 +7306,7 @@
                 </a:tc>
                 <a:extLst>
                   <a:ext uri="{0D108BD9-81ED-4DB2-BD59-A6C34878D82A}">
-                    <a16:rowId xmlns:a16="http://schemas.microsoft.com/office/drawing/2014/main" val="2579321733"/>
+                    <a16:rowId xmlns:a16="http://schemas.microsoft.com/office/drawing/2014/main" val="124236321"/>
                   </a:ext>
                 </a:extLst>
               </a:tr>
@@ -7700,7 +7478,7 @@
                           <a:latin typeface="나눔스퀘어라운드 ExtraBold" panose="020B0600000101010101" pitchFamily="50" charset="-127"/>
                           <a:ea typeface="나눔스퀘어라운드 ExtraBold" panose="020B0600000101010101" pitchFamily="50" charset="-127"/>
                         </a:rPr>
-                        <a:t>UC-2: </a:t>
+                        <a:t>UC-4: </a:t>
                       </a:r>
                       <a:r>
                         <a:rPr lang="ko-KR" altLang="en-US" sz="1600" spc="-150" dirty="0">
@@ -7710,27 +7488,7 @@
                           <a:latin typeface="나눔스퀘어라운드 ExtraBold" panose="020B0600000101010101" pitchFamily="50" charset="-127"/>
                           <a:ea typeface="나눔스퀘어라운드 ExtraBold" panose="020B0600000101010101" pitchFamily="50" charset="-127"/>
                         </a:rPr>
-                        <a:t>활성화 상태</a:t>
-                      </a:r>
-                      <a:r>
-                        <a:rPr lang="en-US" altLang="ko-KR" sz="1600" spc="-150" dirty="0">
-                          <a:solidFill>
-                            <a:srgbClr val="00002F"/>
-                          </a:solidFill>
-                          <a:latin typeface="나눔스퀘어라운드 ExtraBold" panose="020B0600000101010101" pitchFamily="50" charset="-127"/>
-                          <a:ea typeface="나눔스퀘어라운드 ExtraBold" panose="020B0600000101010101" pitchFamily="50" charset="-127"/>
-                        </a:rPr>
-                        <a:t>-</a:t>
-                      </a:r>
-                      <a:r>
-                        <a:rPr lang="ko-KR" altLang="en-US" sz="1600" spc="-150" dirty="0">
-                          <a:solidFill>
-                            <a:srgbClr val="00002F"/>
-                          </a:solidFill>
-                          <a:latin typeface="나눔스퀘어라운드 ExtraBold" panose="020B0600000101010101" pitchFamily="50" charset="-127"/>
-                          <a:ea typeface="나눔스퀘어라운드 ExtraBold" panose="020B0600000101010101" pitchFamily="50" charset="-127"/>
-                        </a:rPr>
-                        <a:t> 설정 적용</a:t>
+                        <a:t>활성화 옵션 적용</a:t>
                       </a:r>
                     </a:p>
                   </a:txBody>
@@ -7784,7 +7542,7 @@
                 </a:tc>
                 <a:extLst>
                   <a:ext uri="{0D108BD9-81ED-4DB2-BD59-A6C34878D82A}">
-                    <a16:rowId xmlns:a16="http://schemas.microsoft.com/office/drawing/2014/main" val="1322029635"/>
+                    <a16:rowId xmlns:a16="http://schemas.microsoft.com/office/drawing/2014/main" val="2579321733"/>
                   </a:ext>
                 </a:extLst>
               </a:tr>
@@ -7956,7 +7714,7 @@
                           <a:latin typeface="나눔스퀘어라운드 ExtraBold" panose="020B0600000101010101" pitchFamily="50" charset="-127"/>
                           <a:ea typeface="나눔스퀘어라운드 ExtraBold" panose="020B0600000101010101" pitchFamily="50" charset="-127"/>
                         </a:rPr>
-                        <a:t>UC-3: </a:t>
+                        <a:t>UC-5: </a:t>
                       </a:r>
                       <a:r>
                         <a:rPr lang="ko-KR" altLang="en-US" sz="1600" spc="-150" dirty="0">
@@ -7966,7 +7724,7 @@
                           <a:latin typeface="나눔스퀘어라운드 ExtraBold" panose="020B0600000101010101" pitchFamily="50" charset="-127"/>
                           <a:ea typeface="나눔스퀘어라운드 ExtraBold" panose="020B0600000101010101" pitchFamily="50" charset="-127"/>
                         </a:rPr>
-                        <a:t>비활성화 상태</a:t>
+                        <a:t>비활성화 옵션 적용</a:t>
                       </a:r>
                     </a:p>
                   </a:txBody>
@@ -8020,7 +7778,7 @@
                 </a:tc>
                 <a:extLst>
                   <a:ext uri="{0D108BD9-81ED-4DB2-BD59-A6C34878D82A}">
-                    <a16:rowId xmlns:a16="http://schemas.microsoft.com/office/drawing/2014/main" val="3340598642"/>
+                    <a16:rowId xmlns:a16="http://schemas.microsoft.com/office/drawing/2014/main" val="1322029635"/>
                   </a:ext>
                 </a:extLst>
               </a:tr>
@@ -8113,7 +7871,7 @@
                           <a:latin typeface="나눔스퀘어라운드 ExtraBold" panose="020B0600000101010101" pitchFamily="50" charset="-127"/>
                           <a:ea typeface="나눔스퀘어라운드 ExtraBold" panose="020B0600000101010101" pitchFamily="50" charset="-127"/>
                         </a:rPr>
-                        <a:t>리뷰를 감정 판단하여 리뷰 별 점수 부여하는 것</a:t>
+                        <a:t>설정에 따라 리뷰를 감정 판단하여 리뷰 별 점수 부여하는 것</a:t>
                       </a:r>
                       <a:r>
                         <a:rPr lang="en-US" altLang="ko-KR" sz="1600" dirty="0">
@@ -8206,7 +7964,7 @@
                           <a:latin typeface="나눔스퀘어라운드 ExtraBold" panose="020B0600000101010101" pitchFamily="50" charset="-127"/>
                           <a:ea typeface="나눔스퀘어라운드 ExtraBold" panose="020B0600000101010101" pitchFamily="50" charset="-127"/>
                         </a:rPr>
-                        <a:t>UC-2: </a:t>
+                        <a:t>UC-6: </a:t>
                       </a:r>
                       <a:r>
                         <a:rPr lang="ko-KR" altLang="en-US" sz="1600" spc="-150" dirty="0">
@@ -8216,27 +7974,7 @@
                           <a:latin typeface="나눔스퀘어라운드 ExtraBold" panose="020B0600000101010101" pitchFamily="50" charset="-127"/>
                           <a:ea typeface="나눔스퀘어라운드 ExtraBold" panose="020B0600000101010101" pitchFamily="50" charset="-127"/>
                         </a:rPr>
-                        <a:t>활성화 상태</a:t>
-                      </a:r>
-                      <a:r>
-                        <a:rPr lang="en-US" altLang="ko-KR" sz="1600" spc="-150" dirty="0">
-                          <a:solidFill>
-                            <a:srgbClr val="00002F"/>
-                          </a:solidFill>
-                          <a:latin typeface="나눔스퀘어라운드 ExtraBold" panose="020B0600000101010101" pitchFamily="50" charset="-127"/>
-                          <a:ea typeface="나눔스퀘어라운드 ExtraBold" panose="020B0600000101010101" pitchFamily="50" charset="-127"/>
-                        </a:rPr>
-                        <a:t>-</a:t>
-                      </a:r>
-                      <a:r>
-                        <a:rPr lang="ko-KR" altLang="en-US" sz="1600" spc="-150" dirty="0">
-                          <a:solidFill>
-                            <a:srgbClr val="00002F"/>
-                          </a:solidFill>
-                          <a:latin typeface="나눔스퀘어라운드 ExtraBold" panose="020B0600000101010101" pitchFamily="50" charset="-127"/>
-                          <a:ea typeface="나눔스퀘어라운드 ExtraBold" panose="020B0600000101010101" pitchFamily="50" charset="-127"/>
-                        </a:rPr>
-                        <a:t>설정 적용</a:t>
+                        <a:t>프로그램 설정 조작</a:t>
                       </a:r>
                     </a:p>
                   </a:txBody>
@@ -8290,7 +8028,7 @@
                 </a:tc>
                 <a:extLst>
                   <a:ext uri="{0D108BD9-81ED-4DB2-BD59-A6C34878D82A}">
-                    <a16:rowId xmlns:a16="http://schemas.microsoft.com/office/drawing/2014/main" val="784908693"/>
+                    <a16:rowId xmlns:a16="http://schemas.microsoft.com/office/drawing/2014/main" val="3340598642"/>
                   </a:ext>
                 </a:extLst>
               </a:tr>
@@ -8466,7 +8204,7 @@
                           <a:latin typeface="나눔스퀘어라운드 ExtraBold" panose="020B0600000101010101" pitchFamily="50" charset="-127"/>
                           <a:ea typeface="나눔스퀘어라운드 ExtraBold" panose="020B0600000101010101" pitchFamily="50" charset="-127"/>
                         </a:rPr>
-                        <a:t>UC-2: </a:t>
+                        <a:t>UC-4: </a:t>
                       </a:r>
                       <a:r>
                         <a:rPr lang="ko-KR" altLang="en-US" sz="1600" spc="-150" dirty="0">
@@ -8476,27 +8214,7 @@
                           <a:latin typeface="나눔스퀘어라운드 ExtraBold" panose="020B0600000101010101" pitchFamily="50" charset="-127"/>
                           <a:ea typeface="나눔스퀘어라운드 ExtraBold" panose="020B0600000101010101" pitchFamily="50" charset="-127"/>
                         </a:rPr>
-                        <a:t>활성화 상태</a:t>
-                      </a:r>
-                      <a:r>
-                        <a:rPr lang="en-US" altLang="ko-KR" sz="1600" spc="-150" dirty="0">
-                          <a:solidFill>
-                            <a:srgbClr val="00002F"/>
-                          </a:solidFill>
-                          <a:latin typeface="나눔스퀘어라운드 ExtraBold" panose="020B0600000101010101" pitchFamily="50" charset="-127"/>
-                          <a:ea typeface="나눔스퀘어라운드 ExtraBold" panose="020B0600000101010101" pitchFamily="50" charset="-127"/>
-                        </a:rPr>
-                        <a:t>-</a:t>
-                      </a:r>
-                      <a:r>
-                        <a:rPr lang="ko-KR" altLang="en-US" sz="1600" spc="-150" dirty="0">
-                          <a:solidFill>
-                            <a:srgbClr val="00002F"/>
-                          </a:solidFill>
-                          <a:latin typeface="나눔스퀘어라운드 ExtraBold" panose="020B0600000101010101" pitchFamily="50" charset="-127"/>
-                          <a:ea typeface="나눔스퀘어라운드 ExtraBold" panose="020B0600000101010101" pitchFamily="50" charset="-127"/>
-                        </a:rPr>
-                        <a:t> 설정 적용</a:t>
+                        <a:t>활성화 옵션 적용</a:t>
                       </a:r>
                     </a:p>
                   </a:txBody>
@@ -8550,7 +8268,7 @@
                 </a:tc>
                 <a:extLst>
                   <a:ext uri="{0D108BD9-81ED-4DB2-BD59-A6C34878D82A}">
-                    <a16:rowId xmlns:a16="http://schemas.microsoft.com/office/drawing/2014/main" val="2147908047"/>
+                    <a16:rowId xmlns:a16="http://schemas.microsoft.com/office/drawing/2014/main" val="784908693"/>
                   </a:ext>
                 </a:extLst>
               </a:tr>
@@ -8726,7 +8444,7 @@
                           <a:latin typeface="나눔스퀘어라운드 ExtraBold" panose="020B0600000101010101" pitchFamily="50" charset="-127"/>
                           <a:ea typeface="나눔스퀘어라운드 ExtraBold" panose="020B0600000101010101" pitchFamily="50" charset="-127"/>
                         </a:rPr>
-                        <a:t>UC-3: </a:t>
+                        <a:t>UC-5: </a:t>
                       </a:r>
                       <a:r>
                         <a:rPr lang="ko-KR" altLang="en-US" sz="1600" spc="-150" dirty="0">
@@ -8736,7 +8454,7 @@
                           <a:latin typeface="나눔스퀘어라운드 ExtraBold" panose="020B0600000101010101" pitchFamily="50" charset="-127"/>
                           <a:ea typeface="나눔스퀘어라운드 ExtraBold" panose="020B0600000101010101" pitchFamily="50" charset="-127"/>
                         </a:rPr>
-                        <a:t>비활성화 상태</a:t>
+                        <a:t>비활성화 옵션 적용</a:t>
                       </a:r>
                     </a:p>
                   </a:txBody>
@@ -8790,7 +8508,7 @@
                 </a:tc>
                 <a:extLst>
                   <a:ext uri="{0D108BD9-81ED-4DB2-BD59-A6C34878D82A}">
-                    <a16:rowId xmlns:a16="http://schemas.microsoft.com/office/drawing/2014/main" val="2940648083"/>
+                    <a16:rowId xmlns:a16="http://schemas.microsoft.com/office/drawing/2014/main" val="2147908047"/>
                   </a:ext>
                 </a:extLst>
               </a:tr>
@@ -8976,7 +8694,7 @@
                           <a:latin typeface="나눔스퀘어라운드 ExtraBold" panose="020B0600000101010101" pitchFamily="50" charset="-127"/>
                           <a:ea typeface="나눔스퀘어라운드 ExtraBold" panose="020B0600000101010101" pitchFamily="50" charset="-127"/>
                         </a:rPr>
-                        <a:t>UC-1: </a:t>
+                        <a:t>UC-6: </a:t>
                       </a:r>
                       <a:r>
                         <a:rPr lang="ko-KR" altLang="en-US" sz="1600" spc="-150" dirty="0">
@@ -8986,7 +8704,7 @@
                           <a:latin typeface="나눔스퀘어라운드 ExtraBold" panose="020B0600000101010101" pitchFamily="50" charset="-127"/>
                           <a:ea typeface="나눔스퀘어라운드 ExtraBold" panose="020B0600000101010101" pitchFamily="50" charset="-127"/>
                         </a:rPr>
-                        <a:t>확장 프로그램 조작</a:t>
+                        <a:t>프로그램 설정 조작</a:t>
                       </a:r>
                     </a:p>
                   </a:txBody>
@@ -9040,11 +8758,11 @@
                 </a:tc>
                 <a:extLst>
                   <a:ext uri="{0D108BD9-81ED-4DB2-BD59-A6C34878D82A}">
-                    <a16:rowId xmlns:a16="http://schemas.microsoft.com/office/drawing/2014/main" val="928205654"/>
+                    <a16:rowId xmlns:a16="http://schemas.microsoft.com/office/drawing/2014/main" val="2940648083"/>
                   </a:ext>
                 </a:extLst>
               </a:tr>
-              <a:tr h="259080">
+              <a:tr h="0">
                 <a:tc>
                   <a:txBody>
                     <a:bodyPr/>
@@ -9133,7 +8851,7 @@
                           <a:latin typeface="나눔스퀘어라운드 ExtraBold" panose="020B0600000101010101" pitchFamily="50" charset="-127"/>
                           <a:ea typeface="나눔스퀘어라운드 ExtraBold" panose="020B0600000101010101" pitchFamily="50" charset="-127"/>
                         </a:rPr>
-                        <a:t>프로그램 활성화 상태일시 강조 설정 적용하는 것</a:t>
+                        <a:t>프로그램 활성화 상태일시 필터 및 강조 설정 적용하는 것</a:t>
                       </a:r>
                       <a:r>
                         <a:rPr lang="en-US" altLang="ko-KR" sz="1600" dirty="0">
@@ -9226,7 +8944,7 @@
                           <a:latin typeface="나눔스퀘어라운드 ExtraBold" panose="020B0600000101010101" pitchFamily="50" charset="-127"/>
                           <a:ea typeface="나눔스퀘어라운드 ExtraBold" panose="020B0600000101010101" pitchFamily="50" charset="-127"/>
                         </a:rPr>
-                        <a:t>UC-2: </a:t>
+                        <a:t>UC-4: </a:t>
                       </a:r>
                       <a:r>
                         <a:rPr lang="ko-KR" altLang="en-US" sz="1600" spc="-150" dirty="0">
@@ -9236,8 +8954,238 @@
                           <a:latin typeface="나눔스퀘어라운드 ExtraBold" panose="020B0600000101010101" pitchFamily="50" charset="-127"/>
                           <a:ea typeface="나눔스퀘어라운드 ExtraBold" panose="020B0600000101010101" pitchFamily="50" charset="-127"/>
                         </a:rPr>
-                        <a:t>활성화 상태</a:t>
-                      </a:r>
+                        <a:t>활성화 옵션 적용</a:t>
+                      </a:r>
+                    </a:p>
+                  </a:txBody>
+                  <a:tcPr anchor="ctr">
+                    <a:lnL w="12700" cap="flat" cmpd="sng" algn="ctr">
+                      <a:solidFill>
+                        <a:schemeClr val="tx1"/>
+                      </a:solidFill>
+                      <a:prstDash val="solid"/>
+                      <a:round/>
+                      <a:headEnd type="none" w="med" len="med"/>
+                      <a:tailEnd type="none" w="med" len="med"/>
+                    </a:lnL>
+                    <a:lnR w="12700" cap="flat" cmpd="sng" algn="ctr">
+                      <a:solidFill>
+                        <a:schemeClr val="tx1"/>
+                      </a:solidFill>
+                      <a:prstDash val="solid"/>
+                      <a:round/>
+                      <a:headEnd type="none" w="med" len="med"/>
+                      <a:tailEnd type="none" w="med" len="med"/>
+                    </a:lnR>
+                    <a:lnT w="12700" cap="flat" cmpd="sng" algn="ctr">
+                      <a:solidFill>
+                        <a:schemeClr val="tx1"/>
+                      </a:solidFill>
+                      <a:prstDash val="solid"/>
+                      <a:round/>
+                      <a:headEnd type="none" w="med" len="med"/>
+                      <a:tailEnd type="none" w="med" len="med"/>
+                    </a:lnT>
+                    <a:lnB w="12700" cap="flat" cmpd="sng" algn="ctr">
+                      <a:solidFill>
+                        <a:schemeClr val="tx1"/>
+                      </a:solidFill>
+                      <a:prstDash val="solid"/>
+                      <a:round/>
+                      <a:headEnd type="none" w="med" len="med"/>
+                      <a:tailEnd type="none" w="med" len="med"/>
+                    </a:lnB>
+                    <a:lnTlToBr w="12700" cmpd="sng">
+                      <a:noFill/>
+                      <a:prstDash val="solid"/>
+                    </a:lnTlToBr>
+                    <a:lnBlToTr w="12700" cmpd="sng">
+                      <a:noFill/>
+                      <a:prstDash val="solid"/>
+                    </a:lnBlToTr>
+                    <a:noFill/>
+                  </a:tcPr>
+                </a:tc>
+                <a:extLst>
+                  <a:ext uri="{0D108BD9-81ED-4DB2-BD59-A6C34878D82A}">
+                    <a16:rowId xmlns:a16="http://schemas.microsoft.com/office/drawing/2014/main" val="928205654"/>
+                  </a:ext>
+                </a:extLst>
+              </a:tr>
+              <a:tr h="259080">
+                <a:tc>
+                  <a:txBody>
+                    <a:bodyPr/>
+                    <a:lstStyle/>
+                    <a:p>
+                      <a:pPr algn="ctr" latinLnBrk="1"/>
+                      <a:r>
+                        <a:rPr lang="en-US" altLang="ko-KR" sz="1600" dirty="0">
+                          <a:latin typeface="나눔스퀘어라운드 ExtraBold" panose="020B0600000101010101" pitchFamily="50" charset="-127"/>
+                          <a:ea typeface="나눔스퀘어라운드 ExtraBold" panose="020B0600000101010101" pitchFamily="50" charset="-127"/>
+                        </a:rPr>
+                        <a:t>Local</a:t>
+                      </a:r>
+                    </a:p>
+                    <a:p>
+                      <a:pPr algn="ctr" latinLnBrk="1"/>
+                      <a:r>
+                        <a:rPr lang="en-US" altLang="ko-KR" sz="1600" dirty="0">
+                          <a:latin typeface="나눔스퀘어라운드 ExtraBold" panose="020B0600000101010101" pitchFamily="50" charset="-127"/>
+                          <a:ea typeface="나눔스퀘어라운드 ExtraBold" panose="020B0600000101010101" pitchFamily="50" charset="-127"/>
+                        </a:rPr>
+                        <a:t>Setting</a:t>
+                      </a:r>
+                      <a:endParaRPr lang="ko-KR" altLang="en-US" sz="1600" dirty="0">
+                        <a:latin typeface="나눔스퀘어라운드 ExtraBold" panose="020B0600000101010101" pitchFamily="50" charset="-127"/>
+                        <a:ea typeface="나눔스퀘어라운드 ExtraBold" panose="020B0600000101010101" pitchFamily="50" charset="-127"/>
+                      </a:endParaRPr>
+                    </a:p>
+                  </a:txBody>
+                  <a:tcPr anchor="ctr">
+                    <a:lnL w="12700" cap="flat" cmpd="sng" algn="ctr">
+                      <a:solidFill>
+                        <a:schemeClr val="tx1"/>
+                      </a:solidFill>
+                      <a:prstDash val="solid"/>
+                      <a:round/>
+                      <a:headEnd type="none" w="med" len="med"/>
+                      <a:tailEnd type="none" w="med" len="med"/>
+                    </a:lnL>
+                    <a:lnR w="12700" cap="flat" cmpd="sng" algn="ctr">
+                      <a:solidFill>
+                        <a:schemeClr val="tx1"/>
+                      </a:solidFill>
+                      <a:prstDash val="solid"/>
+                      <a:round/>
+                      <a:headEnd type="none" w="med" len="med"/>
+                      <a:tailEnd type="none" w="med" len="med"/>
+                    </a:lnR>
+                    <a:lnT w="12700" cap="flat" cmpd="sng" algn="ctr">
+                      <a:solidFill>
+                        <a:schemeClr val="tx1"/>
+                      </a:solidFill>
+                      <a:prstDash val="solid"/>
+                      <a:round/>
+                      <a:headEnd type="none" w="med" len="med"/>
+                      <a:tailEnd type="none" w="med" len="med"/>
+                    </a:lnT>
+                    <a:lnB w="12700" cap="flat" cmpd="sng" algn="ctr">
+                      <a:solidFill>
+                        <a:schemeClr val="tx1"/>
+                      </a:solidFill>
+                      <a:prstDash val="solid"/>
+                      <a:round/>
+                      <a:headEnd type="none" w="med" len="med"/>
+                      <a:tailEnd type="none" w="med" len="med"/>
+                    </a:lnB>
+                    <a:lnTlToBr w="12700" cmpd="sng">
+                      <a:noFill/>
+                      <a:prstDash val="solid"/>
+                    </a:lnTlToBr>
+                    <a:lnBlToTr w="12700" cmpd="sng">
+                      <a:noFill/>
+                      <a:prstDash val="solid"/>
+                    </a:lnBlToTr>
+                    <a:noFill/>
+                  </a:tcPr>
+                </a:tc>
+                <a:tc>
+                  <a:txBody>
+                    <a:bodyPr/>
+                    <a:lstStyle/>
+                    <a:p>
+                      <a:pPr algn="ctr" latinLnBrk="1"/>
+                      <a:r>
+                        <a:rPr lang="ko-KR" altLang="en-US" sz="1600" dirty="0">
+                          <a:latin typeface="나눔스퀘어라운드 ExtraBold" panose="020B0600000101010101" pitchFamily="50" charset="-127"/>
+                          <a:ea typeface="나눔스퀘어라운드 ExtraBold" panose="020B0600000101010101" pitchFamily="50" charset="-127"/>
+                        </a:rPr>
+                        <a:t>프로그램 비활성화 상태일시 필터 및 강조 적용 취소하는 것</a:t>
+                      </a:r>
+                      <a:r>
+                        <a:rPr lang="en-US" altLang="ko-KR" sz="1600" dirty="0">
+                          <a:latin typeface="나눔스퀘어라운드 ExtraBold" panose="020B0600000101010101" pitchFamily="50" charset="-127"/>
+                          <a:ea typeface="나눔스퀘어라운드 ExtraBold" panose="020B0600000101010101" pitchFamily="50" charset="-127"/>
+                        </a:rPr>
+                        <a:t>.</a:t>
+                      </a:r>
+                      <a:endParaRPr lang="ko-KR" altLang="en-US" sz="1600" dirty="0">
+                        <a:latin typeface="나눔스퀘어라운드 ExtraBold" panose="020B0600000101010101" pitchFamily="50" charset="-127"/>
+                        <a:ea typeface="나눔스퀘어라운드 ExtraBold" panose="020B0600000101010101" pitchFamily="50" charset="-127"/>
+                      </a:endParaRPr>
+                    </a:p>
+                  </a:txBody>
+                  <a:tcPr anchor="ctr">
+                    <a:lnL w="12700" cap="flat" cmpd="sng" algn="ctr">
+                      <a:solidFill>
+                        <a:schemeClr val="tx1"/>
+                      </a:solidFill>
+                      <a:prstDash val="solid"/>
+                      <a:round/>
+                      <a:headEnd type="none" w="med" len="med"/>
+                      <a:tailEnd type="none" w="med" len="med"/>
+                    </a:lnL>
+                    <a:lnR w="12700" cap="flat" cmpd="sng" algn="ctr">
+                      <a:solidFill>
+                        <a:schemeClr val="tx1"/>
+                      </a:solidFill>
+                      <a:prstDash val="solid"/>
+                      <a:round/>
+                      <a:headEnd type="none" w="med" len="med"/>
+                      <a:tailEnd type="none" w="med" len="med"/>
+                    </a:lnR>
+                    <a:lnT w="12700" cap="flat" cmpd="sng" algn="ctr">
+                      <a:solidFill>
+                        <a:schemeClr val="tx1"/>
+                      </a:solidFill>
+                      <a:prstDash val="solid"/>
+                      <a:round/>
+                      <a:headEnd type="none" w="med" len="med"/>
+                      <a:tailEnd type="none" w="med" len="med"/>
+                    </a:lnT>
+                    <a:lnB w="12700" cap="flat" cmpd="sng" algn="ctr">
+                      <a:solidFill>
+                        <a:schemeClr val="tx1"/>
+                      </a:solidFill>
+                      <a:prstDash val="solid"/>
+                      <a:round/>
+                      <a:headEnd type="none" w="med" len="med"/>
+                      <a:tailEnd type="none" w="med" len="med"/>
+                    </a:lnB>
+                    <a:lnTlToBr w="12700" cmpd="sng">
+                      <a:noFill/>
+                      <a:prstDash val="solid"/>
+                    </a:lnTlToBr>
+                    <a:lnBlToTr w="12700" cmpd="sng">
+                      <a:noFill/>
+                      <a:prstDash val="solid"/>
+                    </a:lnBlToTr>
+                    <a:noFill/>
+                  </a:tcPr>
+                </a:tc>
+                <a:tc>
+                  <a:txBody>
+                    <a:bodyPr/>
+                    <a:lstStyle/>
+                    <a:p>
+                      <a:pPr marL="0" marR="0" lvl="0" indent="0" algn="ctr" defTabSz="914400" rtl="0" eaLnBrk="1" fontAlgn="auto" latinLnBrk="1" hangingPunct="1">
+                        <a:lnSpc>
+                          <a:spcPct val="100000"/>
+                        </a:lnSpc>
+                        <a:spcBef>
+                          <a:spcPts val="0"/>
+                        </a:spcBef>
+                        <a:spcAft>
+                          <a:spcPts val="0"/>
+                        </a:spcAft>
+                        <a:buClrTx/>
+                        <a:buSzTx/>
+                        <a:buFontTx/>
+                        <a:buNone/>
+                        <a:tabLst/>
+                        <a:defRPr/>
+                      </a:pPr>
                       <a:r>
                         <a:rPr lang="en-US" altLang="ko-KR" sz="1600" spc="-150" dirty="0">
                           <a:solidFill>
@@ -9246,7 +9194,7 @@
                           <a:latin typeface="나눔스퀘어라운드 ExtraBold" panose="020B0600000101010101" pitchFamily="50" charset="-127"/>
                           <a:ea typeface="나눔스퀘어라운드 ExtraBold" panose="020B0600000101010101" pitchFamily="50" charset="-127"/>
                         </a:rPr>
-                        <a:t>-</a:t>
+                        <a:t>UC-5: </a:t>
                       </a:r>
                       <a:r>
                         <a:rPr lang="ko-KR" altLang="en-US" sz="1600" spc="-150" dirty="0">
@@ -9256,7 +9204,7 @@
                           <a:latin typeface="나눔스퀘어라운드 ExtraBold" panose="020B0600000101010101" pitchFamily="50" charset="-127"/>
                           <a:ea typeface="나눔스퀘어라운드 ExtraBold" panose="020B0600000101010101" pitchFamily="50" charset="-127"/>
                         </a:rPr>
-                        <a:t> 설정 적용</a:t>
+                        <a:t>비활성화 옵션 적용</a:t>
                       </a:r>
                     </a:p>
                   </a:txBody>
@@ -9743,128 +9691,16 @@
       </p:pic>
       <p:grpSp>
         <p:nvGrpSpPr>
-          <p:cNvPr id="8" name="그룹 7"/>
-          <p:cNvGrpSpPr/>
-          <p:nvPr/>
-        </p:nvGrpSpPr>
-        <p:grpSpPr>
-          <a:xfrm>
-            <a:off x="1423446" y="879214"/>
-            <a:ext cx="9181709" cy="5757257"/>
-            <a:chOff x="1423446" y="879214"/>
-            <a:chExt cx="10290145" cy="5757257"/>
-          </a:xfrm>
-        </p:grpSpPr>
-        <p:sp>
-          <p:nvSpPr>
-            <p:cNvPr id="14" name="직사각형 13">
-              <a:extLst>
-                <a:ext uri="{FF2B5EF4-FFF2-40B4-BE49-F238E27FC236}">
-                  <a16:creationId xmlns:a16="http://schemas.microsoft.com/office/drawing/2014/main" id="{F62D0C2F-98AC-4EF6-B6F1-1F44E69F11D5}"/>
-                </a:ext>
-              </a:extLst>
-            </p:cNvPr>
-            <p:cNvSpPr/>
-            <p:nvPr/>
-          </p:nvSpPr>
-          <p:spPr>
-            <a:xfrm>
-              <a:off x="1423446" y="1094659"/>
-              <a:ext cx="10290145" cy="5541812"/>
-            </a:xfrm>
-            <a:prstGeom prst="rect">
-              <a:avLst/>
-            </a:prstGeom>
-            <a:noFill/>
-            <a:ln w="60325">
-              <a:solidFill>
-                <a:srgbClr val="00002F"/>
-              </a:solidFill>
-            </a:ln>
-          </p:spPr>
-          <p:style>
-            <a:lnRef idx="2">
-              <a:schemeClr val="accent1">
-                <a:shade val="50000"/>
-              </a:schemeClr>
-            </a:lnRef>
-            <a:fillRef idx="1">
-              <a:schemeClr val="accent1"/>
-            </a:fillRef>
-            <a:effectRef idx="0">
-              <a:schemeClr val="accent1"/>
-            </a:effectRef>
-            <a:fontRef idx="minor">
-              <a:schemeClr val="lt1"/>
-            </a:fontRef>
-          </p:style>
-          <p:txBody>
-            <a:bodyPr rot="0" spcFirstLastPara="0" vert="horz" wrap="square" lIns="91440" tIns="45720" rIns="91440" bIns="45720" numCol="1" spcCol="0" rtlCol="0" fromWordArt="0" anchor="ctr" anchorCtr="0" forceAA="0" compatLnSpc="1">
-              <a:prstTxWarp prst="textNoShape">
-                <a:avLst/>
-              </a:prstTxWarp>
-              <a:noAutofit/>
-            </a:bodyPr>
-            <a:lstStyle/>
-            <a:p>
-              <a:endParaRPr lang="ko-KR" altLang="en-US">
-                <a:latin typeface="나눔스퀘어라운드 ExtraBold" panose="020B0600000101010101" pitchFamily="50" charset="-127"/>
-                <a:ea typeface="나눔스퀘어라운드 ExtraBold" panose="020B0600000101010101" pitchFamily="50" charset="-127"/>
-              </a:endParaRPr>
-            </a:p>
-          </p:txBody>
-        </p:sp>
-        <p:sp>
-          <p:nvSpPr>
-            <p:cNvPr id="15" name="TextBox 14"/>
-            <p:cNvSpPr txBox="1"/>
-            <p:nvPr/>
-          </p:nvSpPr>
-          <p:spPr>
-            <a:xfrm>
-              <a:off x="5380741" y="879214"/>
-              <a:ext cx="2375553" cy="430887"/>
-            </a:xfrm>
-            <a:prstGeom prst="rect">
-              <a:avLst/>
-            </a:prstGeom>
-            <a:solidFill>
-              <a:schemeClr val="bg1"/>
-            </a:solidFill>
-          </p:spPr>
-          <p:txBody>
-            <a:bodyPr wrap="square" rtlCol="0">
-              <a:spAutoFit/>
-            </a:bodyPr>
-            <a:lstStyle/>
-            <a:p>
-              <a:pPr algn="ctr"/>
-              <a:r>
-                <a:rPr lang="ko-KR" altLang="en-US" sz="2200" dirty="0">
-                  <a:solidFill>
-                    <a:srgbClr val="00002F"/>
-                  </a:solidFill>
-                  <a:latin typeface="나눔스퀘어라운드 ExtraBold" panose="020B0600000101010101" pitchFamily="50" charset="-127"/>
-                  <a:ea typeface="나눔스퀘어라운드 ExtraBold" panose="020B0600000101010101" pitchFamily="50" charset="-127"/>
-                </a:rPr>
-                <a:t>크롬 브라우저</a:t>
-              </a:r>
-            </a:p>
-          </p:txBody>
-        </p:sp>
-      </p:grpSp>
-      <p:grpSp>
-        <p:nvGrpSpPr>
           <p:cNvPr id="7" name="그룹 6"/>
           <p:cNvGrpSpPr/>
           <p:nvPr/>
         </p:nvGrpSpPr>
         <p:grpSpPr>
           <a:xfrm>
-            <a:off x="1737673" y="1260710"/>
-            <a:ext cx="8593286" cy="3954363"/>
-            <a:chOff x="4523081" y="1531991"/>
-            <a:chExt cx="5701030" cy="3954363"/>
+            <a:off x="1737673" y="1308836"/>
+            <a:ext cx="8593286" cy="4997409"/>
+            <a:chOff x="4523081" y="1568447"/>
+            <a:chExt cx="5701030" cy="3917907"/>
           </a:xfrm>
         </p:grpSpPr>
         <p:sp>
@@ -9934,8 +9770,8 @@
           </p:nvSpPr>
           <p:spPr>
             <a:xfrm>
-              <a:off x="6711248" y="1531991"/>
-              <a:ext cx="1324695" cy="369332"/>
+              <a:off x="6711248" y="1568447"/>
+              <a:ext cx="1324695" cy="279768"/>
             </a:xfrm>
             <a:prstGeom prst="rect">
               <a:avLst/>
@@ -9952,15 +9788,22 @@
             <a:p>
               <a:pPr algn="ctr"/>
               <a:r>
-                <a:rPr lang="ko-KR" altLang="en-US" dirty="0">
+                <a:rPr lang="en-US" altLang="ko-KR" dirty="0">
                   <a:solidFill>
                     <a:srgbClr val="00002F"/>
                   </a:solidFill>
                   <a:latin typeface="나눔스퀘어라운드 ExtraBold" panose="020B0600000101010101" pitchFamily="50" charset="-127"/>
                   <a:ea typeface="나눔스퀘어라운드 ExtraBold" panose="020B0600000101010101" pitchFamily="50" charset="-127"/>
                 </a:rPr>
-                <a:t>크롬 확장 프로그램</a:t>
+                <a:t>Review Strainer</a:t>
               </a:r>
+              <a:endParaRPr lang="ko-KR" altLang="en-US" dirty="0">
+                <a:solidFill>
+                  <a:srgbClr val="00002F"/>
+                </a:solidFill>
+                <a:latin typeface="나눔스퀘어라운드 ExtraBold" panose="020B0600000101010101" pitchFamily="50" charset="-127"/>
+                <a:ea typeface="나눔스퀘어라운드 ExtraBold" panose="020B0600000101010101" pitchFamily="50" charset="-127"/>
+              </a:endParaRPr>
             </a:p>
           </p:txBody>
         </p:sp>
@@ -9972,8 +9815,8 @@
           <p:nvPr/>
         </p:nvSpPr>
         <p:spPr>
-          <a:xfrm rot="3254334">
-            <a:off x="1619496" y="4708434"/>
+          <a:xfrm rot="2949612">
+            <a:off x="1491059" y="4857788"/>
             <a:ext cx="872355" cy="276999"/>
           </a:xfrm>
           <a:prstGeom prst="rect">
@@ -10065,8 +9908,8 @@
         </p:nvSpPr>
         <p:spPr bwMode="auto">
           <a:xfrm>
-            <a:off x="5483439" y="2827336"/>
-            <a:ext cx="2330518" cy="421310"/>
+            <a:off x="2578321" y="3122010"/>
+            <a:ext cx="2907330" cy="421310"/>
           </a:xfrm>
           <a:prstGeom prst="flowChartTerminator">
             <a:avLst/>
@@ -10115,7 +9958,7 @@
                 <a:latin typeface="나눔스퀘어라운드 ExtraBold" panose="020B0600000101010101" pitchFamily="50" charset="-127"/>
                 <a:ea typeface="나눔스퀘어라운드 ExtraBold" panose="020B0600000101010101" pitchFamily="50" charset="-127"/>
               </a:rPr>
-              <a:t>UC-1-3: </a:t>
+              <a:t>UC-3: </a:t>
             </a:r>
             <a:r>
               <a:rPr lang="ko-KR" altLang="en-US" sz="1400" spc="-150" dirty="0">
@@ -10125,7 +9968,7 @@
                 <a:latin typeface="나눔스퀘어라운드 ExtraBold" panose="020B0600000101010101" pitchFamily="50" charset="-127"/>
                 <a:ea typeface="나눔스퀘어라운드 ExtraBold" panose="020B0600000101010101" pitchFamily="50" charset="-127"/>
               </a:rPr>
-              <a:t>적절한 리뷰 강조</a:t>
+              <a:t>적절한 리뷰 강조 설정</a:t>
             </a:r>
             <a:r>
               <a:rPr lang="en-US" altLang="ko-KR" sz="1400" spc="-150" dirty="0">
@@ -10163,8 +10006,8 @@
         </p:nvSpPr>
         <p:spPr bwMode="auto">
           <a:xfrm>
-            <a:off x="5473790" y="1781146"/>
-            <a:ext cx="2330518" cy="421310"/>
+            <a:off x="2568672" y="2075820"/>
+            <a:ext cx="2907330" cy="421310"/>
           </a:xfrm>
           <a:prstGeom prst="flowChartTerminator">
             <a:avLst/>
@@ -10205,7 +10048,7 @@
                 <a:latin typeface="나눔스퀘어라운드 ExtraBold" panose="020B0600000101010101" pitchFamily="50" charset="-127"/>
                 <a:ea typeface="나눔스퀘어라운드 ExtraBold" panose="020B0600000101010101" pitchFamily="50" charset="-127"/>
               </a:rPr>
-              <a:t>UC-1-1 : </a:t>
+              <a:t>UC-1 : </a:t>
             </a:r>
             <a:r>
               <a:rPr lang="ko-KR" altLang="en-US" sz="1400" spc="-150" dirty="0" err="1">
@@ -10225,7 +10068,7 @@
                 <a:latin typeface="나눔스퀘어라운드 ExtraBold" panose="020B0600000101010101" pitchFamily="50" charset="-127"/>
                 <a:ea typeface="나눔스퀘어라운드 ExtraBold" panose="020B0600000101010101" pitchFamily="50" charset="-127"/>
               </a:rPr>
-              <a:t> 기준 거르기</a:t>
+              <a:t> 기준 필터설정</a:t>
             </a:r>
             <a:r>
               <a:rPr lang="en-US" altLang="ko-KR" sz="1400" spc="-150" dirty="0">
@@ -10263,8 +10106,8 @@
         </p:nvSpPr>
         <p:spPr bwMode="auto">
           <a:xfrm>
-            <a:off x="5473790" y="2308000"/>
-            <a:ext cx="2330518" cy="421310"/>
+            <a:off x="2568672" y="2602674"/>
+            <a:ext cx="2907330" cy="421310"/>
           </a:xfrm>
           <a:prstGeom prst="flowChartTerminator">
             <a:avLst/>
@@ -10305,7 +10148,7 @@
                 <a:latin typeface="나눔스퀘어라운드 ExtraBold" panose="020B0600000101010101" pitchFamily="50" charset="-127"/>
                 <a:ea typeface="나눔스퀘어라운드 ExtraBold" panose="020B0600000101010101" pitchFamily="50" charset="-127"/>
               </a:rPr>
-              <a:t>UC-1-2: </a:t>
+              <a:t>UC-2: </a:t>
             </a:r>
             <a:r>
               <a:rPr lang="ko-KR" altLang="en-US" sz="1400" spc="-150" dirty="0">
@@ -10315,14 +10158,98 @@
                 <a:latin typeface="나눔스퀘어라운드 ExtraBold" panose="020B0600000101010101" pitchFamily="50" charset="-127"/>
                 <a:ea typeface="나눔스퀘어라운드 ExtraBold" panose="020B0600000101010101" pitchFamily="50" charset="-127"/>
               </a:rPr>
-              <a:t>매크로 리뷰 거르기</a:t>
+              <a:t>매크로 리뷰 필터 설정</a:t>
             </a:r>
           </a:p>
         </p:txBody>
       </p:sp>
       <p:sp>
         <p:nvSpPr>
-          <p:cNvPr id="55" name="순서도: 수행의 시작/종료 31">
+          <p:cNvPr id="61" name="TextBox 60"/>
+          <p:cNvSpPr txBox="1"/>
+          <p:nvPr/>
+        </p:nvSpPr>
+        <p:spPr>
+          <a:xfrm rot="18537715">
+            <a:off x="1614790" y="2348688"/>
+            <a:ext cx="872355" cy="276999"/>
+          </a:xfrm>
+          <a:prstGeom prst="rect">
+            <a:avLst/>
+          </a:prstGeom>
+          <a:noFill/>
+        </p:spPr>
+        <p:txBody>
+          <a:bodyPr wrap="none" rtlCol="0">
+            <a:spAutoFit/>
+          </a:bodyPr>
+          <a:lstStyle/>
+          <a:p>
+            <a:r>
+              <a:rPr lang="en-US" altLang="ko-KR" sz="1200" spc="-150" dirty="0">
+                <a:solidFill>
+                  <a:srgbClr val="5D9CA1"/>
+                </a:solidFill>
+                <a:latin typeface="나눔스퀘어라운드 ExtraBold" panose="020B0600000101010101" pitchFamily="50" charset="-127"/>
+                <a:ea typeface="나눔스퀘어라운드 ExtraBold" panose="020B0600000101010101" pitchFamily="50" charset="-127"/>
+              </a:rPr>
+              <a:t>&lt;&lt;Initiate&gt;&gt;</a:t>
+            </a:r>
+            <a:endParaRPr lang="ko-KR" altLang="en-US" sz="1200" spc="-150" dirty="0">
+              <a:solidFill>
+                <a:srgbClr val="5D9CA1"/>
+              </a:solidFill>
+              <a:latin typeface="나눔스퀘어라운드 ExtraBold" panose="020B0600000101010101" pitchFamily="50" charset="-127"/>
+              <a:ea typeface="나눔스퀘어라운드 ExtraBold" panose="020B0600000101010101" pitchFamily="50" charset="-127"/>
+            </a:endParaRPr>
+          </a:p>
+        </p:txBody>
+      </p:sp>
+      <p:sp>
+        <p:nvSpPr>
+          <p:cNvPr id="77" name="TextBox 76"/>
+          <p:cNvSpPr txBox="1"/>
+          <p:nvPr/>
+        </p:nvSpPr>
+        <p:spPr>
+          <a:xfrm>
+            <a:off x="5473848" y="2014332"/>
+            <a:ext cx="929787" cy="276999"/>
+          </a:xfrm>
+          <a:prstGeom prst="rect">
+            <a:avLst/>
+          </a:prstGeom>
+          <a:noFill/>
+        </p:spPr>
+        <p:txBody>
+          <a:bodyPr wrap="square" rtlCol="0">
+            <a:spAutoFit/>
+          </a:bodyPr>
+          <a:lstStyle/>
+          <a:p>
+            <a:r>
+              <a:rPr lang="en-US" altLang="ko-KR" sz="1200" spc="-150" dirty="0">
+                <a:solidFill>
+                  <a:srgbClr val="5D9CA1"/>
+                </a:solidFill>
+                <a:latin typeface="나눔스퀘어라운드 ExtraBold" panose="020B0600000101010101" pitchFamily="50" charset="-127"/>
+                <a:ea typeface="나눔스퀘어라운드 ExtraBold" panose="020B0600000101010101" pitchFamily="50" charset="-127"/>
+              </a:rPr>
+              <a:t>&lt;&lt;include&gt;&gt;</a:t>
+            </a:r>
+            <a:endParaRPr lang="ko-KR" altLang="en-US" sz="1200" spc="-150" dirty="0">
+              <a:solidFill>
+                <a:srgbClr val="5D9CA1"/>
+              </a:solidFill>
+              <a:latin typeface="나눔스퀘어라운드 ExtraBold" panose="020B0600000101010101" pitchFamily="50" charset="-127"/>
+              <a:ea typeface="나눔스퀘어라운드 ExtraBold" panose="020B0600000101010101" pitchFamily="50" charset="-127"/>
+            </a:endParaRPr>
+          </a:p>
+        </p:txBody>
+      </p:sp>
+      <p:sp>
+        <p:nvSpPr>
+          <p:cNvPr id="83" name="순서도: 수행의 시작/종료 31">
             <a:extLst>
               <a:ext uri="{FF2B5EF4-FFF2-40B4-BE49-F238E27FC236}">
                 <a16:creationId xmlns:a16="http://schemas.microsoft.com/office/drawing/2014/main" id="{68384358-113C-46DC-921C-B05FD926740F}"/>
@@ -10336,8 +10263,8 @@
         </p:nvSpPr>
         <p:spPr bwMode="auto">
           <a:xfrm>
-            <a:off x="1981561" y="2502950"/>
-            <a:ext cx="2733959" cy="421310"/>
+            <a:off x="2615463" y="5318983"/>
+            <a:ext cx="2907330" cy="421310"/>
           </a:xfrm>
           <a:prstGeom prst="flowChartTerminator">
             <a:avLst/>
@@ -10386,428 +10313,7 @@
                 <a:latin typeface="나눔스퀘어라운드 ExtraBold" panose="020B0600000101010101" pitchFamily="50" charset="-127"/>
                 <a:ea typeface="나눔스퀘어라운드 ExtraBold" panose="020B0600000101010101" pitchFamily="50" charset="-127"/>
               </a:rPr>
-              <a:t>UC-1: </a:t>
-            </a:r>
-            <a:r>
-              <a:rPr lang="ko-KR" altLang="en-US" sz="1400" spc="-150" dirty="0">
-                <a:solidFill>
-                  <a:srgbClr val="00002F"/>
-                </a:solidFill>
-                <a:latin typeface="나눔스퀘어라운드 ExtraBold" panose="020B0600000101010101" pitchFamily="50" charset="-127"/>
-                <a:ea typeface="나눔스퀘어라운드 ExtraBold" panose="020B0600000101010101" pitchFamily="50" charset="-127"/>
-              </a:rPr>
-              <a:t>확장 프로그램 조작</a:t>
-            </a:r>
-          </a:p>
-        </p:txBody>
-      </p:sp>
-      <p:cxnSp>
-        <p:nvCxnSpPr>
-          <p:cNvPr id="57" name="직선 화살표 연결선 56">
-            <a:extLst>
-              <a:ext uri="{FF2B5EF4-FFF2-40B4-BE49-F238E27FC236}">
-                <a16:creationId xmlns:a16="http://schemas.microsoft.com/office/drawing/2014/main" id="{4FE5F093-A1AD-4EAD-9771-3070827EAAC0}"/>
-              </a:ext>
-            </a:extLst>
-          </p:cNvPr>
-          <p:cNvCxnSpPr>
-            <a:stCxn id="55" idx="1"/>
-            <a:endCxn id="13" idx="3"/>
-          </p:cNvCxnSpPr>
-          <p:nvPr/>
-        </p:nvCxnSpPr>
-        <p:spPr>
-          <a:xfrm flipH="1">
-            <a:off x="1144376" y="2713605"/>
-            <a:ext cx="837185" cy="1123964"/>
-          </a:xfrm>
-          <a:prstGeom prst="straightConnector1">
-            <a:avLst/>
-          </a:prstGeom>
-          <a:ln w="25400">
-            <a:solidFill>
-              <a:srgbClr val="5D9CA1"/>
-            </a:solidFill>
-            <a:prstDash val="solid"/>
-            <a:headEnd type="triangle" w="lg" len="lg"/>
-            <a:tailEnd type="none" w="lg" len="lg"/>
-          </a:ln>
-        </p:spPr>
-        <p:style>
-          <a:lnRef idx="1">
-            <a:schemeClr val="accent1"/>
-          </a:lnRef>
-          <a:fillRef idx="0">
-            <a:schemeClr val="accent1"/>
-          </a:fillRef>
-          <a:effectRef idx="0">
-            <a:schemeClr val="accent1"/>
-          </a:effectRef>
-          <a:fontRef idx="minor">
-            <a:schemeClr val="tx1"/>
-          </a:fontRef>
-        </p:style>
-      </p:cxnSp>
-      <p:sp>
-        <p:nvSpPr>
-          <p:cNvPr id="61" name="TextBox 60"/>
-          <p:cNvSpPr txBox="1"/>
-          <p:nvPr/>
-        </p:nvSpPr>
-        <p:spPr>
-          <a:xfrm rot="18524877">
-            <a:off x="1067506" y="2935228"/>
-            <a:ext cx="872355" cy="276999"/>
-          </a:xfrm>
-          <a:prstGeom prst="rect">
-            <a:avLst/>
-          </a:prstGeom>
-          <a:noFill/>
-        </p:spPr>
-        <p:txBody>
-          <a:bodyPr wrap="none" rtlCol="0">
-            <a:spAutoFit/>
-          </a:bodyPr>
-          <a:lstStyle/>
-          <a:p>
-            <a:r>
-              <a:rPr lang="en-US" altLang="ko-KR" sz="1200" spc="-150" dirty="0">
-                <a:solidFill>
-                  <a:srgbClr val="5D9CA1"/>
-                </a:solidFill>
-                <a:latin typeface="나눔스퀘어라운드 ExtraBold" panose="020B0600000101010101" pitchFamily="50" charset="-127"/>
-                <a:ea typeface="나눔스퀘어라운드 ExtraBold" panose="020B0600000101010101" pitchFamily="50" charset="-127"/>
-              </a:rPr>
-              <a:t>&lt;&lt;Initiate&gt;&gt;</a:t>
-            </a:r>
-            <a:endParaRPr lang="ko-KR" altLang="en-US" sz="1200" spc="-150" dirty="0">
-              <a:solidFill>
-                <a:srgbClr val="5D9CA1"/>
-              </a:solidFill>
-              <a:latin typeface="나눔스퀘어라운드 ExtraBold" panose="020B0600000101010101" pitchFamily="50" charset="-127"/>
-              <a:ea typeface="나눔스퀘어라운드 ExtraBold" panose="020B0600000101010101" pitchFamily="50" charset="-127"/>
-            </a:endParaRPr>
-          </a:p>
-        </p:txBody>
-      </p:sp>
-      <p:cxnSp>
-        <p:nvCxnSpPr>
-          <p:cNvPr id="62" name="직선 화살표 연결선 61">
-            <a:extLst>
-              <a:ext uri="{FF2B5EF4-FFF2-40B4-BE49-F238E27FC236}">
-                <a16:creationId xmlns:a16="http://schemas.microsoft.com/office/drawing/2014/main" id="{4FE5F093-A1AD-4EAD-9771-3070827EAAC0}"/>
-              </a:ext>
-            </a:extLst>
-          </p:cNvPr>
-          <p:cNvCxnSpPr>
-            <a:stCxn id="53" idx="1"/>
-            <a:endCxn id="55" idx="3"/>
-          </p:cNvCxnSpPr>
-          <p:nvPr/>
-        </p:nvCxnSpPr>
-        <p:spPr>
-          <a:xfrm flipH="1">
-            <a:off x="4715520" y="1991801"/>
-            <a:ext cx="758270" cy="721804"/>
-          </a:xfrm>
-          <a:prstGeom prst="straightConnector1">
-            <a:avLst/>
-          </a:prstGeom>
-          <a:ln w="25400">
-            <a:solidFill>
-              <a:srgbClr val="5D9CA1"/>
-            </a:solidFill>
-            <a:prstDash val="solid"/>
-            <a:headEnd type="triangle" w="lg" len="lg"/>
-            <a:tailEnd type="none" w="lg" len="lg"/>
-          </a:ln>
-        </p:spPr>
-        <p:style>
-          <a:lnRef idx="1">
-            <a:schemeClr val="accent1"/>
-          </a:lnRef>
-          <a:fillRef idx="0">
-            <a:schemeClr val="accent1"/>
-          </a:fillRef>
-          <a:effectRef idx="0">
-            <a:schemeClr val="accent1"/>
-          </a:effectRef>
-          <a:fontRef idx="minor">
-            <a:schemeClr val="tx1"/>
-          </a:fontRef>
-        </p:style>
-      </p:cxnSp>
-      <p:cxnSp>
-        <p:nvCxnSpPr>
-          <p:cNvPr id="65" name="직선 화살표 연결선 64">
-            <a:extLst>
-              <a:ext uri="{FF2B5EF4-FFF2-40B4-BE49-F238E27FC236}">
-                <a16:creationId xmlns:a16="http://schemas.microsoft.com/office/drawing/2014/main" id="{4FE5F093-A1AD-4EAD-9771-3070827EAAC0}"/>
-              </a:ext>
-            </a:extLst>
-          </p:cNvPr>
-          <p:cNvCxnSpPr>
-            <a:stCxn id="54" idx="1"/>
-            <a:endCxn id="55" idx="3"/>
-          </p:cNvCxnSpPr>
-          <p:nvPr/>
-        </p:nvCxnSpPr>
-        <p:spPr>
-          <a:xfrm flipH="1">
-            <a:off x="4715520" y="2518655"/>
-            <a:ext cx="758270" cy="194950"/>
-          </a:xfrm>
-          <a:prstGeom prst="straightConnector1">
-            <a:avLst/>
-          </a:prstGeom>
-          <a:ln w="25400">
-            <a:solidFill>
-              <a:srgbClr val="5D9CA1"/>
-            </a:solidFill>
-            <a:prstDash val="solid"/>
-            <a:headEnd type="triangle" w="lg" len="lg"/>
-            <a:tailEnd type="none" w="lg" len="lg"/>
-          </a:ln>
-        </p:spPr>
-        <p:style>
-          <a:lnRef idx="1">
-            <a:schemeClr val="accent1"/>
-          </a:lnRef>
-          <a:fillRef idx="0">
-            <a:schemeClr val="accent1"/>
-          </a:fillRef>
-          <a:effectRef idx="0">
-            <a:schemeClr val="accent1"/>
-          </a:effectRef>
-          <a:fontRef idx="minor">
-            <a:schemeClr val="tx1"/>
-          </a:fontRef>
-        </p:style>
-      </p:cxnSp>
-      <p:cxnSp>
-        <p:nvCxnSpPr>
-          <p:cNvPr id="69" name="직선 화살표 연결선 68">
-            <a:extLst>
-              <a:ext uri="{FF2B5EF4-FFF2-40B4-BE49-F238E27FC236}">
-                <a16:creationId xmlns:a16="http://schemas.microsoft.com/office/drawing/2014/main" id="{4FE5F093-A1AD-4EAD-9771-3070827EAAC0}"/>
-              </a:ext>
-            </a:extLst>
-          </p:cNvPr>
-          <p:cNvCxnSpPr>
-            <a:stCxn id="52" idx="1"/>
-            <a:endCxn id="55" idx="3"/>
-          </p:cNvCxnSpPr>
-          <p:nvPr/>
-        </p:nvCxnSpPr>
-        <p:spPr>
-          <a:xfrm flipH="1" flipV="1">
-            <a:off x="4715520" y="2713605"/>
-            <a:ext cx="767919" cy="324386"/>
-          </a:xfrm>
-          <a:prstGeom prst="straightConnector1">
-            <a:avLst/>
-          </a:prstGeom>
-          <a:ln w="25400">
-            <a:solidFill>
-              <a:srgbClr val="5D9CA1"/>
-            </a:solidFill>
-            <a:prstDash val="solid"/>
-            <a:headEnd type="triangle" w="lg" len="lg"/>
-            <a:tailEnd type="none" w="lg" len="lg"/>
-          </a:ln>
-        </p:spPr>
-        <p:style>
-          <a:lnRef idx="1">
-            <a:schemeClr val="accent1"/>
-          </a:lnRef>
-          <a:fillRef idx="0">
-            <a:schemeClr val="accent1"/>
-          </a:fillRef>
-          <a:effectRef idx="0">
-            <a:schemeClr val="accent1"/>
-          </a:effectRef>
-          <a:fontRef idx="minor">
-            <a:schemeClr val="tx1"/>
-          </a:fontRef>
-        </p:style>
-      </p:cxnSp>
-      <p:sp>
-        <p:nvSpPr>
-          <p:cNvPr id="77" name="TextBox 76"/>
-          <p:cNvSpPr txBox="1"/>
-          <p:nvPr/>
-        </p:nvSpPr>
-        <p:spPr>
-          <a:xfrm rot="18848138">
-            <a:off x="4545470" y="2084339"/>
-            <a:ext cx="929787" cy="276999"/>
-          </a:xfrm>
-          <a:prstGeom prst="rect">
-            <a:avLst/>
-          </a:prstGeom>
-          <a:noFill/>
-        </p:spPr>
-        <p:txBody>
-          <a:bodyPr wrap="square" rtlCol="0">
-            <a:spAutoFit/>
-          </a:bodyPr>
-          <a:lstStyle/>
-          <a:p>
-            <a:r>
-              <a:rPr lang="en-US" altLang="ko-KR" sz="1200" spc="-150" dirty="0">
-                <a:solidFill>
-                  <a:srgbClr val="5D9CA1"/>
-                </a:solidFill>
-                <a:latin typeface="나눔스퀘어라운드 ExtraBold" panose="020B0600000101010101" pitchFamily="50" charset="-127"/>
-                <a:ea typeface="나눔스퀘어라운드 ExtraBold" panose="020B0600000101010101" pitchFamily="50" charset="-127"/>
-              </a:rPr>
-              <a:t>&lt;&lt;include&gt;&gt;</a:t>
-            </a:r>
-            <a:endParaRPr lang="ko-KR" altLang="en-US" sz="1200" spc="-150" dirty="0">
-              <a:solidFill>
-                <a:srgbClr val="5D9CA1"/>
-              </a:solidFill>
-              <a:latin typeface="나눔스퀘어라운드 ExtraBold" panose="020B0600000101010101" pitchFamily="50" charset="-127"/>
-              <a:ea typeface="나눔스퀘어라운드 ExtraBold" panose="020B0600000101010101" pitchFamily="50" charset="-127"/>
-            </a:endParaRPr>
-          </a:p>
-        </p:txBody>
-      </p:sp>
-      <p:cxnSp>
-        <p:nvCxnSpPr>
-          <p:cNvPr id="78" name="직선 화살표 연결선 77">
-            <a:extLst>
-              <a:ext uri="{FF2B5EF4-FFF2-40B4-BE49-F238E27FC236}">
-                <a16:creationId xmlns:a16="http://schemas.microsoft.com/office/drawing/2014/main" id="{4FE5F093-A1AD-4EAD-9771-3070827EAAC0}"/>
-              </a:ext>
-            </a:extLst>
-          </p:cNvPr>
-          <p:cNvCxnSpPr>
-            <a:cxnSpLocks/>
-            <a:stCxn id="83" idx="1"/>
-            <a:endCxn id="13" idx="3"/>
-          </p:cNvCxnSpPr>
-          <p:nvPr/>
-        </p:nvCxnSpPr>
-        <p:spPr>
-          <a:xfrm flipH="1" flipV="1">
-            <a:off x="1144376" y="3837569"/>
-            <a:ext cx="1296780" cy="1904358"/>
-          </a:xfrm>
-          <a:prstGeom prst="straightConnector1">
-            <a:avLst/>
-          </a:prstGeom>
-          <a:ln w="25400">
-            <a:solidFill>
-              <a:srgbClr val="5D9CA1"/>
-            </a:solidFill>
-            <a:prstDash val="solid"/>
-            <a:headEnd type="triangle" w="lg" len="lg"/>
-            <a:tailEnd type="none" w="lg" len="lg"/>
-          </a:ln>
-        </p:spPr>
-        <p:style>
-          <a:lnRef idx="1">
-            <a:schemeClr val="accent1"/>
-          </a:lnRef>
-          <a:fillRef idx="0">
-            <a:schemeClr val="accent1"/>
-          </a:fillRef>
-          <a:effectRef idx="0">
-            <a:schemeClr val="accent1"/>
-          </a:effectRef>
-          <a:fontRef idx="minor">
-            <a:schemeClr val="tx1"/>
-          </a:fontRef>
-        </p:style>
-      </p:cxnSp>
-      <p:sp>
-        <p:nvSpPr>
-          <p:cNvPr id="83" name="순서도: 수행의 시작/종료 31">
-            <a:extLst>
-              <a:ext uri="{FF2B5EF4-FFF2-40B4-BE49-F238E27FC236}">
-                <a16:creationId xmlns:a16="http://schemas.microsoft.com/office/drawing/2014/main" id="{68384358-113C-46DC-921C-B05FD926740F}"/>
-              </a:ext>
-            </a:extLst>
-          </p:cNvPr>
-          <p:cNvSpPr>
-            <a:spLocks noChangeArrowheads="1"/>
-          </p:cNvSpPr>
-          <p:nvPr/>
-        </p:nvSpPr>
-        <p:spPr bwMode="auto">
-          <a:xfrm>
-            <a:off x="2441156" y="5531272"/>
-            <a:ext cx="2330518" cy="421310"/>
-          </a:xfrm>
-          <a:prstGeom prst="flowChartTerminator">
-            <a:avLst/>
-          </a:prstGeom>
-          <a:solidFill>
-            <a:srgbClr val="FFFFFF"/>
-          </a:solidFill>
-          <a:ln w="38100">
-            <a:solidFill>
-              <a:srgbClr val="00002F"/>
-            </a:solidFill>
-            <a:miter lim="800000"/>
-            <a:headEnd/>
-            <a:tailEnd/>
-          </a:ln>
-        </p:spPr>
-        <p:txBody>
-          <a:bodyPr vert="horz" wrap="square" lIns="91440" tIns="45720" rIns="91440" bIns="45720" numCol="1" anchor="ctr" anchorCtr="0" compatLnSpc="1">
-            <a:prstTxWarp prst="textNoShape">
-              <a:avLst/>
-            </a:prstTxWarp>
-          </a:bodyPr>
-          <a:lstStyle/>
-          <a:p>
-            <a:pPr marL="0" marR="0" lvl="0" indent="0" algn="ctr" defTabSz="914400" rtl="0" eaLnBrk="0" fontAlgn="base" latinLnBrk="0" hangingPunct="0">
-              <a:lnSpc>
-                <a:spcPct val="100000"/>
-              </a:lnSpc>
-              <a:spcBef>
-                <a:spcPct val="0"/>
-              </a:spcBef>
-              <a:spcAft>
-                <a:spcPct val="0"/>
-              </a:spcAft>
-              <a:buClrTx/>
-              <a:buSzTx/>
-              <a:buFontTx/>
-              <a:buNone/>
-              <a:tabLst/>
-            </a:pPr>
-            <a:r>
-              <a:rPr lang="en-US" altLang="ko-KR" sz="1400" spc="-150" dirty="0">
-                <a:solidFill>
-                  <a:srgbClr val="00002F"/>
-                </a:solidFill>
-                <a:latin typeface="나눔스퀘어라운드 ExtraBold" panose="020B0600000101010101" pitchFamily="50" charset="-127"/>
-                <a:ea typeface="나눔스퀘어라운드 ExtraBold" panose="020B0600000101010101" pitchFamily="50" charset="-127"/>
-              </a:rPr>
-              <a:t>UC-3: </a:t>
-            </a:r>
-            <a:r>
-              <a:rPr lang="ko-KR" altLang="en-US" sz="1400" spc="-150" dirty="0">
-                <a:solidFill>
-                  <a:srgbClr val="00002F"/>
-                </a:solidFill>
-                <a:latin typeface="나눔스퀘어라운드 ExtraBold" panose="020B0600000101010101" pitchFamily="50" charset="-127"/>
-                <a:ea typeface="나눔스퀘어라운드 ExtraBold" panose="020B0600000101010101" pitchFamily="50" charset="-127"/>
-              </a:rPr>
-              <a:t>프로그램 </a:t>
-            </a:r>
-            <a:r>
-              <a:rPr lang="en-US" altLang="ko-KR" sz="1400" spc="-150" dirty="0">
-                <a:solidFill>
-                  <a:srgbClr val="00002F"/>
-                </a:solidFill>
-                <a:latin typeface="나눔스퀘어라운드 ExtraBold" panose="020B0600000101010101" pitchFamily="50" charset="-127"/>
-                <a:ea typeface="나눔스퀘어라운드 ExtraBold" panose="020B0600000101010101" pitchFamily="50" charset="-127"/>
-              </a:rPr>
-              <a:t>(</a:t>
+              <a:t>UC-5: (</a:t>
             </a:r>
             <a:r>
               <a:rPr lang="ko-KR" altLang="en-US" sz="1400" spc="-150" dirty="0">
@@ -10837,7 +10343,7 @@
                 <a:latin typeface="나눔스퀘어라운드 ExtraBold" panose="020B0600000101010101" pitchFamily="50" charset="-127"/>
                 <a:ea typeface="나눔스퀘어라운드 ExtraBold" panose="020B0600000101010101" pitchFamily="50" charset="-127"/>
               </a:rPr>
-              <a:t>활성화</a:t>
+              <a:t>활성화 옵션 적용</a:t>
             </a:r>
           </a:p>
         </p:txBody>
@@ -10850,7 +10356,7 @@
         </p:nvGrpSpPr>
         <p:grpSpPr>
           <a:xfrm>
-            <a:off x="10790892" y="3354768"/>
+            <a:off x="10669457" y="3669552"/>
             <a:ext cx="922163" cy="917078"/>
             <a:chOff x="9869267" y="1334568"/>
             <a:chExt cx="989192" cy="963294"/>
@@ -10957,7 +10463,7 @@
         </p:nvGrpSpPr>
         <p:grpSpPr>
           <a:xfrm>
-            <a:off x="10746064" y="1483413"/>
+            <a:off x="10647045" y="1824219"/>
             <a:ext cx="966991" cy="917078"/>
             <a:chOff x="9869267" y="1334568"/>
             <a:chExt cx="989192" cy="963294"/>
@@ -11072,8 +10578,8 @@
         </p:nvSpPr>
         <p:spPr bwMode="auto">
           <a:xfrm>
-            <a:off x="2846277" y="3602652"/>
-            <a:ext cx="2944491" cy="421310"/>
+            <a:off x="2659908" y="3909517"/>
+            <a:ext cx="2908800" cy="421310"/>
           </a:xfrm>
           <a:prstGeom prst="flowChartTerminator">
             <a:avLst/>
@@ -11114,7 +10620,7 @@
                 <a:latin typeface="나눔스퀘어라운드 ExtraBold" panose="020B0600000101010101" pitchFamily="50" charset="-127"/>
                 <a:ea typeface="나눔스퀘어라운드 ExtraBold" panose="020B0600000101010101" pitchFamily="50" charset="-127"/>
               </a:rPr>
-              <a:t>UC-2 : </a:t>
+              <a:t>UC-4 : </a:t>
             </a:r>
             <a:r>
               <a:rPr lang="ko-KR" altLang="en-US" sz="1400" spc="-150" dirty="0">
@@ -11124,318 +10630,11 @@
                 <a:latin typeface="나눔스퀘어라운드 ExtraBold" panose="020B0600000101010101" pitchFamily="50" charset="-127"/>
                 <a:ea typeface="나눔스퀘어라운드 ExtraBold" panose="020B0600000101010101" pitchFamily="50" charset="-127"/>
               </a:rPr>
-              <a:t>활성화 상태 </a:t>
-            </a:r>
-            <a:r>
-              <a:rPr lang="en-US" altLang="ko-KR" sz="1400" spc="-150" dirty="0">
-                <a:solidFill>
-                  <a:srgbClr val="00002F"/>
-                </a:solidFill>
-                <a:latin typeface="나눔스퀘어라운드 ExtraBold" panose="020B0600000101010101" pitchFamily="50" charset="-127"/>
-                <a:ea typeface="나눔스퀘어라운드 ExtraBold" panose="020B0600000101010101" pitchFamily="50" charset="-127"/>
-              </a:rPr>
-              <a:t>-</a:t>
-            </a:r>
-            <a:r>
-              <a:rPr lang="ko-KR" altLang="en-US" sz="1400" spc="-150" dirty="0">
-                <a:solidFill>
-                  <a:srgbClr val="00002F"/>
-                </a:solidFill>
-                <a:latin typeface="나눔스퀘어라운드 ExtraBold" panose="020B0600000101010101" pitchFamily="50" charset="-127"/>
-                <a:ea typeface="나눔스퀘어라운드 ExtraBold" panose="020B0600000101010101" pitchFamily="50" charset="-127"/>
-              </a:rPr>
-              <a:t> 설정 적용</a:t>
+              <a:t>활성화 옵션 적용</a:t>
             </a:r>
           </a:p>
         </p:txBody>
       </p:sp>
-      <p:cxnSp>
-        <p:nvCxnSpPr>
-          <p:cNvPr id="118" name="직선 화살표 연결선 117">
-            <a:extLst>
-              <a:ext uri="{FF2B5EF4-FFF2-40B4-BE49-F238E27FC236}">
-                <a16:creationId xmlns:a16="http://schemas.microsoft.com/office/drawing/2014/main" id="{4FE5F093-A1AD-4EAD-9771-3070827EAAC0}"/>
-              </a:ext>
-            </a:extLst>
-          </p:cNvPr>
-          <p:cNvCxnSpPr>
-            <a:cxnSpLocks/>
-            <a:stCxn id="92" idx="1"/>
-            <a:endCxn id="52" idx="3"/>
-          </p:cNvCxnSpPr>
-          <p:nvPr/>
-        </p:nvCxnSpPr>
-        <p:spPr>
-          <a:xfrm flipH="1" flipV="1">
-            <a:off x="7813957" y="3037991"/>
-            <a:ext cx="2976935" cy="775316"/>
-          </a:xfrm>
-          <a:prstGeom prst="straightConnector1">
-            <a:avLst/>
-          </a:prstGeom>
-          <a:ln w="25400">
-            <a:solidFill>
-              <a:srgbClr val="5D9CA1"/>
-            </a:solidFill>
-            <a:prstDash val="solid"/>
-            <a:headEnd type="triangle" w="lg" len="lg"/>
-            <a:tailEnd type="none" w="lg" len="lg"/>
-          </a:ln>
-        </p:spPr>
-        <p:style>
-          <a:lnRef idx="1">
-            <a:schemeClr val="accent1"/>
-          </a:lnRef>
-          <a:fillRef idx="0">
-            <a:schemeClr val="accent1"/>
-          </a:fillRef>
-          <a:effectRef idx="0">
-            <a:schemeClr val="accent1"/>
-          </a:effectRef>
-          <a:fontRef idx="minor">
-            <a:schemeClr val="tx1"/>
-          </a:fontRef>
-        </p:style>
-      </p:cxnSp>
-      <p:cxnSp>
-        <p:nvCxnSpPr>
-          <p:cNvPr id="121" name="직선 화살표 연결선 120">
-            <a:extLst>
-              <a:ext uri="{FF2B5EF4-FFF2-40B4-BE49-F238E27FC236}">
-                <a16:creationId xmlns:a16="http://schemas.microsoft.com/office/drawing/2014/main" id="{4FE5F093-A1AD-4EAD-9771-3070827EAAC0}"/>
-              </a:ext>
-            </a:extLst>
-          </p:cNvPr>
-          <p:cNvCxnSpPr>
-            <a:cxnSpLocks/>
-            <a:stCxn id="92" idx="1"/>
-            <a:endCxn id="54" idx="3"/>
-          </p:cNvCxnSpPr>
-          <p:nvPr/>
-        </p:nvCxnSpPr>
-        <p:spPr>
-          <a:xfrm flipH="1" flipV="1">
-            <a:off x="7804308" y="2518655"/>
-            <a:ext cx="2986584" cy="1294652"/>
-          </a:xfrm>
-          <a:prstGeom prst="straightConnector1">
-            <a:avLst/>
-          </a:prstGeom>
-          <a:ln w="25400">
-            <a:solidFill>
-              <a:srgbClr val="5D9CA1"/>
-            </a:solidFill>
-            <a:prstDash val="solid"/>
-            <a:headEnd type="triangle" w="lg" len="lg"/>
-            <a:tailEnd type="none" w="lg" len="lg"/>
-          </a:ln>
-        </p:spPr>
-        <p:style>
-          <a:lnRef idx="1">
-            <a:schemeClr val="accent1"/>
-          </a:lnRef>
-          <a:fillRef idx="0">
-            <a:schemeClr val="accent1"/>
-          </a:fillRef>
-          <a:effectRef idx="0">
-            <a:schemeClr val="accent1"/>
-          </a:effectRef>
-          <a:fontRef idx="minor">
-            <a:schemeClr val="tx1"/>
-          </a:fontRef>
-        </p:style>
-      </p:cxnSp>
-      <p:cxnSp>
-        <p:nvCxnSpPr>
-          <p:cNvPr id="123" name="직선 화살표 연결선 122">
-            <a:extLst>
-              <a:ext uri="{FF2B5EF4-FFF2-40B4-BE49-F238E27FC236}">
-                <a16:creationId xmlns:a16="http://schemas.microsoft.com/office/drawing/2014/main" id="{4FE5F093-A1AD-4EAD-9771-3070827EAAC0}"/>
-              </a:ext>
-            </a:extLst>
-          </p:cNvPr>
-          <p:cNvCxnSpPr>
-            <a:cxnSpLocks/>
-            <a:stCxn id="92" idx="1"/>
-            <a:endCxn id="53" idx="3"/>
-          </p:cNvCxnSpPr>
-          <p:nvPr/>
-        </p:nvCxnSpPr>
-        <p:spPr>
-          <a:xfrm flipH="1" flipV="1">
-            <a:off x="7804308" y="1991801"/>
-            <a:ext cx="2986584" cy="1821506"/>
-          </a:xfrm>
-          <a:prstGeom prst="straightConnector1">
-            <a:avLst/>
-          </a:prstGeom>
-          <a:ln w="25400">
-            <a:solidFill>
-              <a:srgbClr val="5D9CA1"/>
-            </a:solidFill>
-            <a:prstDash val="solid"/>
-            <a:headEnd type="triangle" w="lg" len="lg"/>
-            <a:tailEnd type="none" w="lg" len="lg"/>
-          </a:ln>
-        </p:spPr>
-        <p:style>
-          <a:lnRef idx="1">
-            <a:schemeClr val="accent1"/>
-          </a:lnRef>
-          <a:fillRef idx="0">
-            <a:schemeClr val="accent1"/>
-          </a:fillRef>
-          <a:effectRef idx="0">
-            <a:schemeClr val="accent1"/>
-          </a:effectRef>
-          <a:fontRef idx="minor">
-            <a:schemeClr val="tx1"/>
-          </a:fontRef>
-        </p:style>
-      </p:cxnSp>
-      <p:cxnSp>
-        <p:nvCxnSpPr>
-          <p:cNvPr id="131" name="직선 화살표 연결선 130">
-            <a:extLst>
-              <a:ext uri="{FF2B5EF4-FFF2-40B4-BE49-F238E27FC236}">
-                <a16:creationId xmlns:a16="http://schemas.microsoft.com/office/drawing/2014/main" id="{4FE5F093-A1AD-4EAD-9771-3070827EAAC0}"/>
-              </a:ext>
-            </a:extLst>
-          </p:cNvPr>
-          <p:cNvCxnSpPr>
-            <a:cxnSpLocks/>
-            <a:stCxn id="104" idx="3"/>
-            <a:endCxn id="151" idx="1"/>
-          </p:cNvCxnSpPr>
-          <p:nvPr/>
-        </p:nvCxnSpPr>
-        <p:spPr>
-          <a:xfrm>
-            <a:off x="5790768" y="3813307"/>
-            <a:ext cx="5000123" cy="1942795"/>
-          </a:xfrm>
-          <a:prstGeom prst="straightConnector1">
-            <a:avLst/>
-          </a:prstGeom>
-          <a:ln w="25400">
-            <a:solidFill>
-              <a:srgbClr val="5D9CA1"/>
-            </a:solidFill>
-            <a:prstDash val="solid"/>
-            <a:headEnd type="triangle" w="lg" len="lg"/>
-            <a:tailEnd type="none" w="lg" len="lg"/>
-          </a:ln>
-        </p:spPr>
-        <p:style>
-          <a:lnRef idx="1">
-            <a:schemeClr val="accent1"/>
-          </a:lnRef>
-          <a:fillRef idx="0">
-            <a:schemeClr val="accent1"/>
-          </a:fillRef>
-          <a:effectRef idx="0">
-            <a:schemeClr val="accent1"/>
-          </a:effectRef>
-          <a:fontRef idx="minor">
-            <a:schemeClr val="tx1"/>
-          </a:fontRef>
-        </p:style>
-      </p:cxnSp>
-      <p:cxnSp>
-        <p:nvCxnSpPr>
-          <p:cNvPr id="134" name="직선 화살표 연결선 133">
-            <a:extLst>
-              <a:ext uri="{FF2B5EF4-FFF2-40B4-BE49-F238E27FC236}">
-                <a16:creationId xmlns:a16="http://schemas.microsoft.com/office/drawing/2014/main" id="{4FE5F093-A1AD-4EAD-9771-3070827EAAC0}"/>
-              </a:ext>
-            </a:extLst>
-          </p:cNvPr>
-          <p:cNvCxnSpPr>
-            <a:stCxn id="54" idx="3"/>
-            <a:endCxn id="102" idx="1"/>
-          </p:cNvCxnSpPr>
-          <p:nvPr/>
-        </p:nvCxnSpPr>
-        <p:spPr>
-          <a:xfrm flipV="1">
-            <a:off x="7804308" y="1941952"/>
-            <a:ext cx="2941756" cy="576703"/>
-          </a:xfrm>
-          <a:prstGeom prst="straightConnector1">
-            <a:avLst/>
-          </a:prstGeom>
-          <a:ln w="25400">
-            <a:solidFill>
-              <a:srgbClr val="5D9CA1"/>
-            </a:solidFill>
-            <a:prstDash val="solid"/>
-            <a:headEnd type="triangle" w="lg" len="lg"/>
-            <a:tailEnd type="none" w="lg" len="lg"/>
-          </a:ln>
-        </p:spPr>
-        <p:style>
-          <a:lnRef idx="1">
-            <a:schemeClr val="accent1"/>
-          </a:lnRef>
-          <a:fillRef idx="0">
-            <a:schemeClr val="accent1"/>
-          </a:fillRef>
-          <a:effectRef idx="0">
-            <a:schemeClr val="accent1"/>
-          </a:effectRef>
-          <a:fontRef idx="minor">
-            <a:schemeClr val="tx1"/>
-          </a:fontRef>
-        </p:style>
-      </p:cxnSp>
-      <p:cxnSp>
-        <p:nvCxnSpPr>
-          <p:cNvPr id="137" name="직선 화살표 연결선 136">
-            <a:extLst>
-              <a:ext uri="{FF2B5EF4-FFF2-40B4-BE49-F238E27FC236}">
-                <a16:creationId xmlns:a16="http://schemas.microsoft.com/office/drawing/2014/main" id="{4FE5F093-A1AD-4EAD-9771-3070827EAAC0}"/>
-              </a:ext>
-            </a:extLst>
-          </p:cNvPr>
-          <p:cNvCxnSpPr>
-            <a:cxnSpLocks/>
-            <a:stCxn id="104" idx="3"/>
-            <a:endCxn id="103" idx="1"/>
-          </p:cNvCxnSpPr>
-          <p:nvPr/>
-        </p:nvCxnSpPr>
-        <p:spPr>
-          <a:xfrm flipV="1">
-            <a:off x="5790768" y="1953219"/>
-            <a:ext cx="5018358" cy="1860088"/>
-          </a:xfrm>
-          <a:prstGeom prst="straightConnector1">
-            <a:avLst/>
-          </a:prstGeom>
-          <a:ln w="25400">
-            <a:solidFill>
-              <a:srgbClr val="5D9CA1"/>
-            </a:solidFill>
-            <a:prstDash val="solid"/>
-            <a:headEnd type="triangle" w="lg" len="lg"/>
-            <a:tailEnd type="none" w="lg" len="lg"/>
-          </a:ln>
-        </p:spPr>
-        <p:style>
-          <a:lnRef idx="1">
-            <a:schemeClr val="accent1"/>
-          </a:lnRef>
-          <a:fillRef idx="0">
-            <a:schemeClr val="accent1"/>
-          </a:fillRef>
-          <a:effectRef idx="0">
-            <a:schemeClr val="accent1"/>
-          </a:effectRef>
-          <a:fontRef idx="minor">
-            <a:schemeClr val="tx1"/>
-          </a:fontRef>
-        </p:style>
-      </p:cxnSp>
       <p:sp>
         <p:nvSpPr>
           <p:cNvPr id="144" name="TextBox 143"/>
@@ -11443,8 +10642,8 @@
           <p:nvPr/>
         </p:nvSpPr>
         <p:spPr>
-          <a:xfrm rot="20914392">
-            <a:off x="8945249" y="1875910"/>
+          <a:xfrm>
+            <a:off x="9253728" y="1990730"/>
             <a:ext cx="1120035" cy="276999"/>
           </a:xfrm>
           <a:prstGeom prst="rect">
@@ -11542,7 +10741,7 @@
         </p:nvGrpSpPr>
         <p:grpSpPr>
           <a:xfrm>
-            <a:off x="10790891" y="5297563"/>
+            <a:off x="10724284" y="5071099"/>
             <a:ext cx="922163" cy="917078"/>
             <a:chOff x="9869267" y="1334568"/>
             <a:chExt cx="989192" cy="963294"/>
@@ -11628,37 +10827,130 @@
           </p:txBody>
         </p:sp>
       </p:grpSp>
+      <p:sp>
+        <p:nvSpPr>
+          <p:cNvPr id="143" name="TextBox 142">
+            <a:extLst>
+              <a:ext uri="{FF2B5EF4-FFF2-40B4-BE49-F238E27FC236}">
+                <a16:creationId xmlns:a16="http://schemas.microsoft.com/office/drawing/2014/main" id="{62BFA536-55C1-4BDC-B6D1-F3A247220474}"/>
+              </a:ext>
+            </a:extLst>
+          </p:cNvPr>
+          <p:cNvSpPr txBox="1"/>
+          <p:nvPr/>
+        </p:nvSpPr>
+        <p:spPr>
+          <a:xfrm rot="799500">
+            <a:off x="1689256" y="3989602"/>
+            <a:ext cx="872355" cy="276999"/>
+          </a:xfrm>
+          <a:prstGeom prst="rect">
+            <a:avLst/>
+          </a:prstGeom>
+          <a:noFill/>
+        </p:spPr>
+        <p:txBody>
+          <a:bodyPr wrap="none" rtlCol="0">
+            <a:spAutoFit/>
+          </a:bodyPr>
+          <a:lstStyle/>
+          <a:p>
+            <a:r>
+              <a:rPr lang="en-US" altLang="ko-KR" sz="1200" spc="-150" dirty="0">
+                <a:solidFill>
+                  <a:srgbClr val="5D9CA1"/>
+                </a:solidFill>
+                <a:latin typeface="나눔스퀘어라운드 ExtraBold" panose="020B0600000101010101" pitchFamily="50" charset="-127"/>
+                <a:ea typeface="나눔스퀘어라운드 ExtraBold" panose="020B0600000101010101" pitchFamily="50" charset="-127"/>
+              </a:rPr>
+              <a:t>&lt;&lt;Initiate&gt;&gt;</a:t>
+            </a:r>
+            <a:endParaRPr lang="ko-KR" altLang="en-US" sz="1200" spc="-150" dirty="0">
+              <a:solidFill>
+                <a:srgbClr val="5D9CA1"/>
+              </a:solidFill>
+              <a:latin typeface="나눔스퀘어라운드 ExtraBold" panose="020B0600000101010101" pitchFamily="50" charset="-127"/>
+              <a:ea typeface="나눔스퀘어라운드 ExtraBold" panose="020B0600000101010101" pitchFamily="50" charset="-127"/>
+            </a:endParaRPr>
+          </a:p>
+        </p:txBody>
+      </p:sp>
+      <p:sp>
+        <p:nvSpPr>
+          <p:cNvPr id="199" name="TextBox 198">
+            <a:extLst>
+              <a:ext uri="{FF2B5EF4-FFF2-40B4-BE49-F238E27FC236}">
+                <a16:creationId xmlns:a16="http://schemas.microsoft.com/office/drawing/2014/main" id="{75E23AC2-FAF1-4EA1-B390-32D685538CBD}"/>
+              </a:ext>
+            </a:extLst>
+          </p:cNvPr>
+          <p:cNvSpPr txBox="1"/>
+          <p:nvPr/>
+        </p:nvSpPr>
+        <p:spPr>
+          <a:xfrm>
+            <a:off x="7851614" y="3844425"/>
+            <a:ext cx="1696893" cy="276999"/>
+          </a:xfrm>
+          <a:prstGeom prst="rect">
+            <a:avLst/>
+          </a:prstGeom>
+          <a:noFill/>
+        </p:spPr>
+        <p:txBody>
+          <a:bodyPr wrap="square" rtlCol="0">
+            <a:spAutoFit/>
+          </a:bodyPr>
+          <a:lstStyle/>
+          <a:p>
+            <a:r>
+              <a:rPr lang="en-US" altLang="ko-KR" sz="1200" spc="-150" dirty="0">
+                <a:solidFill>
+                  <a:srgbClr val="5D9CA1"/>
+                </a:solidFill>
+                <a:latin typeface="나눔스퀘어라운드 ExtraBold" panose="020B0600000101010101" pitchFamily="50" charset="-127"/>
+                <a:ea typeface="나눔스퀘어라운드 ExtraBold" panose="020B0600000101010101" pitchFamily="50" charset="-127"/>
+              </a:rPr>
+              <a:t>&lt;&lt; Initiate , participate&gt;&gt;</a:t>
+            </a:r>
+            <a:endParaRPr lang="ko-KR" altLang="en-US" sz="1200" spc="-150" dirty="0">
+              <a:solidFill>
+                <a:srgbClr val="5D9CA1"/>
+              </a:solidFill>
+              <a:latin typeface="나눔스퀘어라운드 ExtraBold" panose="020B0600000101010101" pitchFamily="50" charset="-127"/>
+              <a:ea typeface="나눔스퀘어라운드 ExtraBold" panose="020B0600000101010101" pitchFamily="50" charset="-127"/>
+            </a:endParaRPr>
+          </a:p>
+        </p:txBody>
+      </p:sp>
       <p:cxnSp>
         <p:nvCxnSpPr>
-          <p:cNvPr id="129" name="직선 화살표 연결선 128">
+          <p:cNvPr id="106" name="직선 연결선 105">
             <a:extLst>
               <a:ext uri="{FF2B5EF4-FFF2-40B4-BE49-F238E27FC236}">
-                <a16:creationId xmlns:a16="http://schemas.microsoft.com/office/drawing/2014/main" id="{1E1BE86E-CFB4-4B4E-BB00-0371160EAA05}"/>
+                <a16:creationId xmlns:a16="http://schemas.microsoft.com/office/drawing/2014/main" id="{35296BB4-5087-4765-BF21-E1637418EFB1}"/>
               </a:ext>
             </a:extLst>
           </p:cNvPr>
           <p:cNvCxnSpPr>
             <a:cxnSpLocks/>
-            <a:stCxn id="83" idx="3"/>
-            <a:endCxn id="151" idx="1"/>
+            <a:stCxn id="13" idx="3"/>
+            <a:endCxn id="54" idx="1"/>
           </p:cNvCxnSpPr>
           <p:nvPr/>
         </p:nvCxnSpPr>
         <p:spPr>
-          <a:xfrm>
-            <a:off x="4771674" y="5741927"/>
-            <a:ext cx="6019217" cy="14175"/>
+          <a:xfrm flipV="1">
+            <a:off x="1144376" y="2813329"/>
+            <a:ext cx="1424296" cy="1024240"/>
           </a:xfrm>
-          <a:prstGeom prst="straightConnector1">
+          <a:prstGeom prst="line">
             <a:avLst/>
           </a:prstGeom>
-          <a:ln w="25400">
+          <a:ln w="28575">
             <a:solidFill>
               <a:srgbClr val="5D9CA1"/>
             </a:solidFill>
-            <a:prstDash val="solid"/>
-            <a:headEnd type="triangle" w="lg" len="lg"/>
-            <a:tailEnd type="none" w="lg" len="lg"/>
           </a:ln>
         </p:spPr>
         <p:style>
@@ -11678,10 +10970,100 @@
       </p:cxnSp>
       <p:cxnSp>
         <p:nvCxnSpPr>
-          <p:cNvPr id="17" name="직선 화살표 연결선 16">
+          <p:cNvPr id="126" name="직선 연결선 125">
             <a:extLst>
               <a:ext uri="{FF2B5EF4-FFF2-40B4-BE49-F238E27FC236}">
-                <a16:creationId xmlns:a16="http://schemas.microsoft.com/office/drawing/2014/main" id="{4FE5F093-A1AD-4EAD-9771-3070827EAAC0}"/>
+                <a16:creationId xmlns:a16="http://schemas.microsoft.com/office/drawing/2014/main" id="{D3EE85E1-787F-4CD2-9D69-7E8060E71F3C}"/>
+              </a:ext>
+            </a:extLst>
+          </p:cNvPr>
+          <p:cNvCxnSpPr>
+            <a:cxnSpLocks/>
+            <a:stCxn id="13" idx="3"/>
+            <a:endCxn id="53" idx="1"/>
+          </p:cNvCxnSpPr>
+          <p:nvPr/>
+        </p:nvCxnSpPr>
+        <p:spPr>
+          <a:xfrm flipV="1">
+            <a:off x="1144376" y="2286475"/>
+            <a:ext cx="1424296" cy="1551094"/>
+          </a:xfrm>
+          <a:prstGeom prst="line">
+            <a:avLst/>
+          </a:prstGeom>
+          <a:ln w="28575">
+            <a:solidFill>
+              <a:srgbClr val="5D9CA1"/>
+            </a:solidFill>
+          </a:ln>
+        </p:spPr>
+        <p:style>
+          <a:lnRef idx="1">
+            <a:schemeClr val="accent1"/>
+          </a:lnRef>
+          <a:fillRef idx="0">
+            <a:schemeClr val="accent1"/>
+          </a:fillRef>
+          <a:effectRef idx="0">
+            <a:schemeClr val="accent1"/>
+          </a:effectRef>
+          <a:fontRef idx="minor">
+            <a:schemeClr val="tx1"/>
+          </a:fontRef>
+        </p:style>
+      </p:cxnSp>
+      <p:cxnSp>
+        <p:nvCxnSpPr>
+          <p:cNvPr id="130" name="직선 연결선 129">
+            <a:extLst>
+              <a:ext uri="{FF2B5EF4-FFF2-40B4-BE49-F238E27FC236}">
+                <a16:creationId xmlns:a16="http://schemas.microsoft.com/office/drawing/2014/main" id="{8D2DDDB0-C3E4-4303-A2B1-7D90F0D3BA48}"/>
+              </a:ext>
+            </a:extLst>
+          </p:cNvPr>
+          <p:cNvCxnSpPr>
+            <a:cxnSpLocks/>
+            <a:stCxn id="13" idx="3"/>
+            <a:endCxn id="52" idx="1"/>
+          </p:cNvCxnSpPr>
+          <p:nvPr/>
+        </p:nvCxnSpPr>
+        <p:spPr>
+          <a:xfrm flipV="1">
+            <a:off x="1144376" y="3332665"/>
+            <a:ext cx="1433945" cy="504904"/>
+          </a:xfrm>
+          <a:prstGeom prst="line">
+            <a:avLst/>
+          </a:prstGeom>
+          <a:ln w="28575">
+            <a:solidFill>
+              <a:srgbClr val="5D9CA1"/>
+            </a:solidFill>
+          </a:ln>
+        </p:spPr>
+        <p:style>
+          <a:lnRef idx="1">
+            <a:schemeClr val="accent1"/>
+          </a:lnRef>
+          <a:fillRef idx="0">
+            <a:schemeClr val="accent1"/>
+          </a:fillRef>
+          <a:effectRef idx="0">
+            <a:schemeClr val="accent1"/>
+          </a:effectRef>
+          <a:fontRef idx="minor">
+            <a:schemeClr val="tx1"/>
+          </a:fontRef>
+        </p:style>
+      </p:cxnSp>
+      <p:cxnSp>
+        <p:nvCxnSpPr>
+          <p:cNvPr id="132" name="직선 연결선 131">
+            <a:extLst>
+              <a:ext uri="{FF2B5EF4-FFF2-40B4-BE49-F238E27FC236}">
+                <a16:creationId xmlns:a16="http://schemas.microsoft.com/office/drawing/2014/main" id="{54377082-1236-4270-9AF4-3DD99B8A3D33}"/>
               </a:ext>
             </a:extLst>
           </p:cNvPr>
@@ -11693,19 +11075,107 @@
           <p:nvPr/>
         </p:nvCxnSpPr>
         <p:spPr>
-          <a:xfrm flipV="1">
-            <a:off x="1144376" y="3813307"/>
-            <a:ext cx="1701901" cy="24262"/>
+          <a:xfrm>
+            <a:off x="1144376" y="3837569"/>
+            <a:ext cx="1515532" cy="282603"/>
           </a:xfrm>
-          <a:prstGeom prst="straightConnector1">
+          <a:prstGeom prst="line">
             <a:avLst/>
           </a:prstGeom>
-          <a:ln w="25400">
+          <a:ln w="28575">
             <a:solidFill>
               <a:srgbClr val="5D9CA1"/>
             </a:solidFill>
-            <a:headEnd w="lg" len="lg"/>
-            <a:tailEnd type="triangle" w="lg" len="lg"/>
+          </a:ln>
+        </p:spPr>
+        <p:style>
+          <a:lnRef idx="1">
+            <a:schemeClr val="accent1"/>
+          </a:lnRef>
+          <a:fillRef idx="0">
+            <a:schemeClr val="accent1"/>
+          </a:fillRef>
+          <a:effectRef idx="0">
+            <a:schemeClr val="accent1"/>
+          </a:effectRef>
+          <a:fontRef idx="minor">
+            <a:schemeClr val="tx1"/>
+          </a:fontRef>
+        </p:style>
+      </p:cxnSp>
+      <p:cxnSp>
+        <p:nvCxnSpPr>
+          <p:cNvPr id="135" name="직선 연결선 134">
+            <a:extLst>
+              <a:ext uri="{FF2B5EF4-FFF2-40B4-BE49-F238E27FC236}">
+                <a16:creationId xmlns:a16="http://schemas.microsoft.com/office/drawing/2014/main" id="{901E514D-2908-427A-B770-CE264C5F6647}"/>
+              </a:ext>
+            </a:extLst>
+          </p:cNvPr>
+          <p:cNvCxnSpPr>
+            <a:cxnSpLocks/>
+            <a:stCxn id="13" idx="3"/>
+            <a:endCxn id="83" idx="1"/>
+          </p:cNvCxnSpPr>
+          <p:nvPr/>
+        </p:nvCxnSpPr>
+        <p:spPr>
+          <a:xfrm>
+            <a:off x="1144376" y="3837569"/>
+            <a:ext cx="1471087" cy="1692069"/>
+          </a:xfrm>
+          <a:prstGeom prst="line">
+            <a:avLst/>
+          </a:prstGeom>
+          <a:ln w="28575">
+            <a:solidFill>
+              <a:srgbClr val="5D9CA1"/>
+            </a:solidFill>
+          </a:ln>
+        </p:spPr>
+        <p:style>
+          <a:lnRef idx="1">
+            <a:schemeClr val="accent1"/>
+          </a:lnRef>
+          <a:fillRef idx="0">
+            <a:schemeClr val="accent1"/>
+          </a:fillRef>
+          <a:effectRef idx="0">
+            <a:schemeClr val="accent1"/>
+          </a:effectRef>
+          <a:fontRef idx="minor">
+            <a:schemeClr val="tx1"/>
+          </a:fontRef>
+        </p:style>
+      </p:cxnSp>
+      <p:cxnSp>
+        <p:nvCxnSpPr>
+          <p:cNvPr id="154" name="직선 연결선 153">
+            <a:extLst>
+              <a:ext uri="{FF2B5EF4-FFF2-40B4-BE49-F238E27FC236}">
+                <a16:creationId xmlns:a16="http://schemas.microsoft.com/office/drawing/2014/main" id="{1892C4A2-3D9B-4756-98E7-B06F445A2CC4}"/>
+              </a:ext>
+            </a:extLst>
+          </p:cNvPr>
+          <p:cNvCxnSpPr>
+            <a:cxnSpLocks/>
+            <a:stCxn id="53" idx="3"/>
+            <a:endCxn id="158" idx="1"/>
+          </p:cNvCxnSpPr>
+          <p:nvPr/>
+        </p:nvCxnSpPr>
+        <p:spPr>
+          <a:xfrm flipV="1">
+            <a:off x="5476002" y="2282758"/>
+            <a:ext cx="870396" cy="3717"/>
+          </a:xfrm>
+          <a:prstGeom prst="line">
+            <a:avLst/>
+          </a:prstGeom>
+          <a:ln w="28575">
+            <a:solidFill>
+              <a:srgbClr val="5D9CA1"/>
+            </a:solidFill>
           </a:ln>
         </p:spPr>
         <p:style>
@@ -11725,106 +11195,308 @@
       </p:cxnSp>
       <p:sp>
         <p:nvSpPr>
-          <p:cNvPr id="143" name="TextBox 142">
+          <p:cNvPr id="158" name="순서도: 수행의 시작/종료 31">
             <a:extLst>
               <a:ext uri="{FF2B5EF4-FFF2-40B4-BE49-F238E27FC236}">
-                <a16:creationId xmlns:a16="http://schemas.microsoft.com/office/drawing/2014/main" id="{62BFA536-55C1-4BDC-B6D1-F3A247220474}"/>
+                <a16:creationId xmlns:a16="http://schemas.microsoft.com/office/drawing/2014/main" id="{59A2A2CB-4745-4FC1-9079-EDE39031DB16}"/>
               </a:ext>
             </a:extLst>
           </p:cNvPr>
-          <p:cNvSpPr txBox="1"/>
+          <p:cNvSpPr>
+            <a:spLocks noChangeArrowheads="1"/>
+          </p:cNvSpPr>
           <p:nvPr/>
         </p:nvSpPr>
-        <p:spPr>
+        <p:spPr bwMode="auto">
           <a:xfrm>
-            <a:off x="1737673" y="3512451"/>
-            <a:ext cx="872355" cy="276999"/>
+            <a:off x="6346398" y="2072103"/>
+            <a:ext cx="2907330" cy="421310"/>
           </a:xfrm>
-          <a:prstGeom prst="rect">
+          <a:prstGeom prst="flowChartTerminator">
             <a:avLst/>
           </a:prstGeom>
-          <a:noFill/>
+          <a:solidFill>
+            <a:srgbClr val="FFFFFF"/>
+          </a:solidFill>
+          <a:ln w="38100">
+            <a:solidFill>
+              <a:srgbClr val="00002F"/>
+            </a:solidFill>
+            <a:miter lim="800000"/>
+            <a:headEnd/>
+            <a:tailEnd/>
+          </a:ln>
         </p:spPr>
         <p:txBody>
-          <a:bodyPr wrap="none" rtlCol="0">
-            <a:spAutoFit/>
+          <a:bodyPr vert="horz" wrap="square" lIns="91440" tIns="45720" rIns="91440" bIns="45720" numCol="1" anchor="ctr" anchorCtr="0" compatLnSpc="1">
+            <a:prstTxWarp prst="textNoShape">
+              <a:avLst/>
+            </a:prstTxWarp>
           </a:bodyPr>
           <a:lstStyle/>
           <a:p>
-            <a:r>
-              <a:rPr lang="en-US" altLang="ko-KR" sz="1200" spc="-150" dirty="0">
+            <a:pPr lvl="0" algn="ctr" eaLnBrk="0" fontAlgn="base" latinLnBrk="0" hangingPunct="0">
+              <a:spcBef>
+                <a:spcPct val="0"/>
+              </a:spcBef>
+              <a:spcAft>
+                <a:spcPct val="0"/>
+              </a:spcAft>
+            </a:pPr>
+            <a:r>
+              <a:rPr lang="en-US" altLang="ko-KR" sz="1400" spc="-150" dirty="0">
                 <a:solidFill>
-                  <a:srgbClr val="5D9CA1"/>
+                  <a:srgbClr val="00002F"/>
                 </a:solidFill>
                 <a:latin typeface="나눔스퀘어라운드 ExtraBold" panose="020B0600000101010101" pitchFamily="50" charset="-127"/>
                 <a:ea typeface="나눔스퀘어라운드 ExtraBold" panose="020B0600000101010101" pitchFamily="50" charset="-127"/>
               </a:rPr>
-              <a:t>&lt;&lt;Initiate&gt;&gt;</a:t>
-            </a:r>
-            <a:endParaRPr lang="ko-KR" altLang="en-US" sz="1200" spc="-150" dirty="0">
-              <a:solidFill>
-                <a:srgbClr val="5D9CA1"/>
-              </a:solidFill>
-              <a:latin typeface="나눔스퀘어라운드 ExtraBold" panose="020B0600000101010101" pitchFamily="50" charset="-127"/>
-              <a:ea typeface="나눔스퀘어라운드 ExtraBold" panose="020B0600000101010101" pitchFamily="50" charset="-127"/>
-            </a:endParaRPr>
-          </a:p>
-        </p:txBody>
-      </p:sp>
-      <p:sp>
-        <p:nvSpPr>
-          <p:cNvPr id="148" name="TextBox 147">
-            <a:extLst>
-              <a:ext uri="{FF2B5EF4-FFF2-40B4-BE49-F238E27FC236}">
-                <a16:creationId xmlns:a16="http://schemas.microsoft.com/office/drawing/2014/main" id="{65AE5718-160E-4CAB-8620-7CEE96A45DC8}"/>
-              </a:ext>
-            </a:extLst>
-          </p:cNvPr>
-          <p:cNvSpPr txBox="1"/>
-          <p:nvPr/>
-        </p:nvSpPr>
-        <p:spPr>
-          <a:xfrm rot="1858825">
-            <a:off x="9298370" y="2902053"/>
-            <a:ext cx="1120035" cy="276999"/>
-          </a:xfrm>
-          <a:prstGeom prst="rect">
-            <a:avLst/>
-          </a:prstGeom>
-          <a:noFill/>
-        </p:spPr>
-        <p:txBody>
-          <a:bodyPr wrap="square" rtlCol="0">
-            <a:spAutoFit/>
-          </a:bodyPr>
-          <a:lstStyle/>
-          <a:p>
-            <a:r>
-              <a:rPr lang="en-US" altLang="ko-KR" sz="1200" spc="-150" dirty="0">
+              <a:t>UC-6: </a:t>
+            </a:r>
+            <a:r>
+              <a:rPr lang="ko-KR" altLang="en-US" sz="1400" spc="-150" dirty="0">
                 <a:solidFill>
-                  <a:srgbClr val="5D9CA1"/>
+                  <a:srgbClr val="00002F"/>
                 </a:solidFill>
                 <a:latin typeface="나눔스퀘어라운드 ExtraBold" panose="020B0600000101010101" pitchFamily="50" charset="-127"/>
                 <a:ea typeface="나눔스퀘어라운드 ExtraBold" panose="020B0600000101010101" pitchFamily="50" charset="-127"/>
               </a:rPr>
-              <a:t>&lt;&lt;participate&gt;&gt;</a:t>
-            </a:r>
-            <a:endParaRPr lang="ko-KR" altLang="en-US" sz="1200" spc="-150" dirty="0">
-              <a:solidFill>
-                <a:srgbClr val="5D9CA1"/>
-              </a:solidFill>
-              <a:latin typeface="나눔스퀘어라운드 ExtraBold" panose="020B0600000101010101" pitchFamily="50" charset="-127"/>
-              <a:ea typeface="나눔스퀘어라운드 ExtraBold" panose="020B0600000101010101" pitchFamily="50" charset="-127"/>
-            </a:endParaRPr>
+              <a:t>프로그램 설정 조작</a:t>
+            </a:r>
           </a:p>
         </p:txBody>
       </p:sp>
       <p:cxnSp>
         <p:nvCxnSpPr>
-          <p:cNvPr id="195" name="직선 화살표 연결선 194">
+          <p:cNvPr id="160" name="직선 연결선 159">
             <a:extLst>
               <a:ext uri="{FF2B5EF4-FFF2-40B4-BE49-F238E27FC236}">
-                <a16:creationId xmlns:a16="http://schemas.microsoft.com/office/drawing/2014/main" id="{7BA07BE7-2840-4577-9D5F-485A192248D8}"/>
+                <a16:creationId xmlns:a16="http://schemas.microsoft.com/office/drawing/2014/main" id="{897AB74F-D022-4F02-B20F-6C2BBCE9DC4F}"/>
+              </a:ext>
+            </a:extLst>
+          </p:cNvPr>
+          <p:cNvCxnSpPr>
+            <a:cxnSpLocks/>
+            <a:stCxn id="54" idx="3"/>
+            <a:endCxn id="158" idx="1"/>
+          </p:cNvCxnSpPr>
+          <p:nvPr/>
+        </p:nvCxnSpPr>
+        <p:spPr>
+          <a:xfrm flipV="1">
+            <a:off x="5476002" y="2282758"/>
+            <a:ext cx="870396" cy="530571"/>
+          </a:xfrm>
+          <a:prstGeom prst="line">
+            <a:avLst/>
+          </a:prstGeom>
+          <a:ln w="28575">
+            <a:solidFill>
+              <a:srgbClr val="5D9CA1"/>
+            </a:solidFill>
+          </a:ln>
+        </p:spPr>
+        <p:style>
+          <a:lnRef idx="1">
+            <a:schemeClr val="accent1"/>
+          </a:lnRef>
+          <a:fillRef idx="0">
+            <a:schemeClr val="accent1"/>
+          </a:fillRef>
+          <a:effectRef idx="0">
+            <a:schemeClr val="accent1"/>
+          </a:effectRef>
+          <a:fontRef idx="minor">
+            <a:schemeClr val="tx1"/>
+          </a:fontRef>
+        </p:style>
+      </p:cxnSp>
+      <p:cxnSp>
+        <p:nvCxnSpPr>
+          <p:cNvPr id="163" name="직선 연결선 162">
+            <a:extLst>
+              <a:ext uri="{FF2B5EF4-FFF2-40B4-BE49-F238E27FC236}">
+                <a16:creationId xmlns:a16="http://schemas.microsoft.com/office/drawing/2014/main" id="{F1F49D29-EA03-4E7D-9E8C-A6FF60A0959F}"/>
+              </a:ext>
+            </a:extLst>
+          </p:cNvPr>
+          <p:cNvCxnSpPr>
+            <a:cxnSpLocks/>
+            <a:stCxn id="52" idx="3"/>
+            <a:endCxn id="158" idx="1"/>
+          </p:cNvCxnSpPr>
+          <p:nvPr/>
+        </p:nvCxnSpPr>
+        <p:spPr>
+          <a:xfrm flipV="1">
+            <a:off x="5485651" y="2282758"/>
+            <a:ext cx="860747" cy="1049907"/>
+          </a:xfrm>
+          <a:prstGeom prst="line">
+            <a:avLst/>
+          </a:prstGeom>
+          <a:ln w="28575">
+            <a:solidFill>
+              <a:srgbClr val="5D9CA1"/>
+            </a:solidFill>
+          </a:ln>
+        </p:spPr>
+        <p:style>
+          <a:lnRef idx="1">
+            <a:schemeClr val="accent1"/>
+          </a:lnRef>
+          <a:fillRef idx="0">
+            <a:schemeClr val="accent1"/>
+          </a:fillRef>
+          <a:effectRef idx="0">
+            <a:schemeClr val="accent1"/>
+          </a:effectRef>
+          <a:fontRef idx="minor">
+            <a:schemeClr val="tx1"/>
+          </a:fontRef>
+        </p:style>
+      </p:cxnSp>
+      <p:cxnSp>
+        <p:nvCxnSpPr>
+          <p:cNvPr id="178" name="직선 연결선 177">
+            <a:extLst>
+              <a:ext uri="{FF2B5EF4-FFF2-40B4-BE49-F238E27FC236}">
+                <a16:creationId xmlns:a16="http://schemas.microsoft.com/office/drawing/2014/main" id="{F4978758-18AC-40C3-9ED2-01932B3496B8}"/>
+              </a:ext>
+            </a:extLst>
+          </p:cNvPr>
+          <p:cNvCxnSpPr>
+            <a:cxnSpLocks/>
+            <a:stCxn id="83" idx="3"/>
+            <a:endCxn id="151" idx="1"/>
+          </p:cNvCxnSpPr>
+          <p:nvPr/>
+        </p:nvCxnSpPr>
+        <p:spPr>
+          <a:xfrm>
+            <a:off x="5522793" y="5529638"/>
+            <a:ext cx="5201491" cy="0"/>
+          </a:xfrm>
+          <a:prstGeom prst="line">
+            <a:avLst/>
+          </a:prstGeom>
+          <a:ln w="28575">
+            <a:solidFill>
+              <a:srgbClr val="5D9CA1"/>
+            </a:solidFill>
+          </a:ln>
+        </p:spPr>
+        <p:style>
+          <a:lnRef idx="1">
+            <a:schemeClr val="accent1"/>
+          </a:lnRef>
+          <a:fillRef idx="0">
+            <a:schemeClr val="accent1"/>
+          </a:fillRef>
+          <a:effectRef idx="0">
+            <a:schemeClr val="accent1"/>
+          </a:effectRef>
+          <a:fontRef idx="minor">
+            <a:schemeClr val="tx1"/>
+          </a:fontRef>
+        </p:style>
+      </p:cxnSp>
+      <p:cxnSp>
+        <p:nvCxnSpPr>
+          <p:cNvPr id="181" name="직선 연결선 180">
+            <a:extLst>
+              <a:ext uri="{FF2B5EF4-FFF2-40B4-BE49-F238E27FC236}">
+                <a16:creationId xmlns:a16="http://schemas.microsoft.com/office/drawing/2014/main" id="{B5123B68-D1EA-4FD0-9B01-0CE84D8989D3}"/>
+              </a:ext>
+            </a:extLst>
+          </p:cNvPr>
+          <p:cNvCxnSpPr>
+            <a:cxnSpLocks/>
+            <a:stCxn id="83" idx="3"/>
+            <a:endCxn id="92" idx="1"/>
+          </p:cNvCxnSpPr>
+          <p:nvPr/>
+        </p:nvCxnSpPr>
+        <p:spPr>
+          <a:xfrm flipV="1">
+            <a:off x="5522793" y="4128091"/>
+            <a:ext cx="5146664" cy="1401547"/>
+          </a:xfrm>
+          <a:prstGeom prst="line">
+            <a:avLst/>
+          </a:prstGeom>
+          <a:ln w="28575">
+            <a:solidFill>
+              <a:srgbClr val="5D9CA1"/>
+            </a:solidFill>
+          </a:ln>
+        </p:spPr>
+        <p:style>
+          <a:lnRef idx="1">
+            <a:schemeClr val="accent1"/>
+          </a:lnRef>
+          <a:fillRef idx="0">
+            <a:schemeClr val="accent1"/>
+          </a:fillRef>
+          <a:effectRef idx="0">
+            <a:schemeClr val="accent1"/>
+          </a:effectRef>
+          <a:fontRef idx="minor">
+            <a:schemeClr val="tx1"/>
+          </a:fontRef>
+        </p:style>
+      </p:cxnSp>
+      <p:cxnSp>
+        <p:nvCxnSpPr>
+          <p:cNvPr id="185" name="직선 연결선 184">
+            <a:extLst>
+              <a:ext uri="{FF2B5EF4-FFF2-40B4-BE49-F238E27FC236}">
+                <a16:creationId xmlns:a16="http://schemas.microsoft.com/office/drawing/2014/main" id="{3F6DA7F5-F932-4567-A66D-97900775BA62}"/>
+              </a:ext>
+            </a:extLst>
+          </p:cNvPr>
+          <p:cNvCxnSpPr>
+            <a:cxnSpLocks/>
+            <a:stCxn id="158" idx="3"/>
+            <a:endCxn id="102" idx="1"/>
+          </p:cNvCxnSpPr>
+          <p:nvPr/>
+        </p:nvCxnSpPr>
+        <p:spPr>
+          <a:xfrm>
+            <a:off x="9253728" y="2282758"/>
+            <a:ext cx="1393317" cy="0"/>
+          </a:xfrm>
+          <a:prstGeom prst="line">
+            <a:avLst/>
+          </a:prstGeom>
+          <a:ln w="28575">
+            <a:solidFill>
+              <a:srgbClr val="5D9CA1"/>
+            </a:solidFill>
+          </a:ln>
+        </p:spPr>
+        <p:style>
+          <a:lnRef idx="1">
+            <a:schemeClr val="accent1"/>
+          </a:lnRef>
+          <a:fillRef idx="0">
+            <a:schemeClr val="accent1"/>
+          </a:fillRef>
+          <a:effectRef idx="0">
+            <a:schemeClr val="accent1"/>
+          </a:effectRef>
+          <a:fontRef idx="minor">
+            <a:schemeClr val="tx1"/>
+          </a:fontRef>
+        </p:style>
+      </p:cxnSp>
+      <p:cxnSp>
+        <p:nvCxnSpPr>
+          <p:cNvPr id="191" name="직선 연결선 190">
+            <a:extLst>
+              <a:ext uri="{FF2B5EF4-FFF2-40B4-BE49-F238E27FC236}">
+                <a16:creationId xmlns:a16="http://schemas.microsoft.com/office/drawing/2014/main" id="{C64623A7-9285-4540-8C53-62CA71532E98}"/>
               </a:ext>
             </a:extLst>
           </p:cNvPr>
@@ -11837,19 +11509,106 @@
         </p:nvCxnSpPr>
         <p:spPr>
           <a:xfrm>
-            <a:off x="5790768" y="3813307"/>
-            <a:ext cx="5000124" cy="0"/>
+            <a:off x="5568708" y="4120172"/>
+            <a:ext cx="5100749" cy="7919"/>
           </a:xfrm>
-          <a:prstGeom prst="straightConnector1">
+          <a:prstGeom prst="line">
             <a:avLst/>
           </a:prstGeom>
-          <a:ln w="25400">
+          <a:ln w="28575">
             <a:solidFill>
               <a:srgbClr val="5D9CA1"/>
             </a:solidFill>
-            <a:prstDash val="solid"/>
-            <a:headEnd type="triangle" w="lg" len="lg"/>
-            <a:tailEnd type="none" w="lg" len="lg"/>
+          </a:ln>
+        </p:spPr>
+        <p:style>
+          <a:lnRef idx="1">
+            <a:schemeClr val="accent1"/>
+          </a:lnRef>
+          <a:fillRef idx="0">
+            <a:schemeClr val="accent1"/>
+          </a:fillRef>
+          <a:effectRef idx="0">
+            <a:schemeClr val="accent1"/>
+          </a:effectRef>
+          <a:fontRef idx="minor">
+            <a:schemeClr val="tx1"/>
+          </a:fontRef>
+        </p:style>
+      </p:cxnSp>
+      <p:cxnSp>
+        <p:nvCxnSpPr>
+          <p:cNvPr id="194" name="직선 연결선 193">
+            <a:extLst>
+              <a:ext uri="{FF2B5EF4-FFF2-40B4-BE49-F238E27FC236}">
+                <a16:creationId xmlns:a16="http://schemas.microsoft.com/office/drawing/2014/main" id="{36C55471-BD0C-4B54-A2B7-96A90F1107CD}"/>
+              </a:ext>
+            </a:extLst>
+          </p:cNvPr>
+          <p:cNvCxnSpPr>
+            <a:cxnSpLocks/>
+            <a:stCxn id="104" idx="3"/>
+            <a:endCxn id="151" idx="1"/>
+          </p:cNvCxnSpPr>
+          <p:nvPr/>
+        </p:nvCxnSpPr>
+        <p:spPr>
+          <a:xfrm>
+            <a:off x="5568708" y="4120172"/>
+            <a:ext cx="5155576" cy="1409466"/>
+          </a:xfrm>
+          <a:prstGeom prst="line">
+            <a:avLst/>
+          </a:prstGeom>
+          <a:ln w="28575">
+            <a:solidFill>
+              <a:srgbClr val="5D9CA1"/>
+            </a:solidFill>
+          </a:ln>
+        </p:spPr>
+        <p:style>
+          <a:lnRef idx="1">
+            <a:schemeClr val="accent1"/>
+          </a:lnRef>
+          <a:fillRef idx="0">
+            <a:schemeClr val="accent1"/>
+          </a:fillRef>
+          <a:effectRef idx="0">
+            <a:schemeClr val="accent1"/>
+          </a:effectRef>
+          <a:fontRef idx="minor">
+            <a:schemeClr val="tx1"/>
+          </a:fontRef>
+        </p:style>
+      </p:cxnSp>
+      <p:cxnSp>
+        <p:nvCxnSpPr>
+          <p:cNvPr id="197" name="직선 연결선 196">
+            <a:extLst>
+              <a:ext uri="{FF2B5EF4-FFF2-40B4-BE49-F238E27FC236}">
+                <a16:creationId xmlns:a16="http://schemas.microsoft.com/office/drawing/2014/main" id="{186480B9-DFFB-4E61-BD93-BB2F66CD2AF6}"/>
+              </a:ext>
+            </a:extLst>
+          </p:cNvPr>
+          <p:cNvCxnSpPr>
+            <a:cxnSpLocks/>
+            <a:stCxn id="158" idx="3"/>
+            <a:endCxn id="92" idx="1"/>
+          </p:cNvCxnSpPr>
+          <p:nvPr/>
+        </p:nvCxnSpPr>
+        <p:spPr>
+          <a:xfrm>
+            <a:off x="9253728" y="2282758"/>
+            <a:ext cx="1415729" cy="1845333"/>
+          </a:xfrm>
+          <a:prstGeom prst="line">
+            <a:avLst/>
+          </a:prstGeom>
+          <a:ln w="28575">
+            <a:solidFill>
+              <a:srgbClr val="5D9CA1"/>
+            </a:solidFill>
           </a:ln>
         </p:spPr>
         <p:style>
@@ -11869,10 +11628,10 @@
       </p:cxnSp>
       <p:sp>
         <p:nvSpPr>
-          <p:cNvPr id="199" name="TextBox 198">
+          <p:cNvPr id="205" name="TextBox 204">
             <a:extLst>
               <a:ext uri="{FF2B5EF4-FFF2-40B4-BE49-F238E27FC236}">
-                <a16:creationId xmlns:a16="http://schemas.microsoft.com/office/drawing/2014/main" id="{75E23AC2-FAF1-4EA1-B390-32D685538CBD}"/>
+                <a16:creationId xmlns:a16="http://schemas.microsoft.com/office/drawing/2014/main" id="{3B563492-BB4F-4CCD-96E7-43255AF021CF}"/>
               </a:ext>
             </a:extLst>
           </p:cNvPr>
@@ -11880,8 +11639,8 @@
           <p:nvPr/>
         </p:nvSpPr>
         <p:spPr>
-          <a:xfrm>
-            <a:off x="7074131" y="3499379"/>
+          <a:xfrm rot="20685217">
+            <a:off x="8163401" y="4308357"/>
             <a:ext cx="1696893" cy="276999"/>
           </a:xfrm>
           <a:prstGeom prst="rect">
@@ -11917,10 +11676,10 @@
       </p:sp>
       <p:sp>
         <p:nvSpPr>
-          <p:cNvPr id="201" name="TextBox 200">
+          <p:cNvPr id="209" name="TextBox 208">
             <a:extLst>
               <a:ext uri="{FF2B5EF4-FFF2-40B4-BE49-F238E27FC236}">
-                <a16:creationId xmlns:a16="http://schemas.microsoft.com/office/drawing/2014/main" id="{D609B05B-F374-4A53-B85E-E3078C1AAAAC}"/>
+                <a16:creationId xmlns:a16="http://schemas.microsoft.com/office/drawing/2014/main" id="{1E0E76D9-2894-4919-90DD-A03B32A9F407}"/>
               </a:ext>
             </a:extLst>
           </p:cNvPr>
@@ -11928,9 +11687,9 @@
           <p:nvPr/>
         </p:nvSpPr>
         <p:spPr>
-          <a:xfrm rot="1296177">
-            <a:off x="7362559" y="4383869"/>
-            <a:ext cx="1120035" cy="276999"/>
+          <a:xfrm rot="916444">
+            <a:off x="8489708" y="5058047"/>
+            <a:ext cx="1120756" cy="276999"/>
           </a:xfrm>
           <a:prstGeom prst="rect">
             <a:avLst/>
@@ -11938,7 +11697,7 @@
           <a:noFill/>
         </p:spPr>
         <p:txBody>
-          <a:bodyPr wrap="square" rtlCol="0">
+          <a:bodyPr wrap="none" rtlCol="0">
             <a:spAutoFit/>
           </a:bodyPr>
           <a:lstStyle/>
@@ -11951,7 +11710,7 @@
                 <a:latin typeface="나눔스퀘어라운드 ExtraBold" panose="020B0600000101010101" pitchFamily="50" charset="-127"/>
                 <a:ea typeface="나눔스퀘어라운드 ExtraBold" panose="020B0600000101010101" pitchFamily="50" charset="-127"/>
               </a:rPr>
-              <a:t>&lt;&lt;participate&gt;&gt;</a:t>
+              <a:t>&lt;&lt;participate &gt;&gt;</a:t>
             </a:r>
             <a:endParaRPr lang="ko-KR" altLang="en-US" sz="1200" spc="-150" dirty="0">
               <a:solidFill>
@@ -11963,54 +11722,6 @@
           </a:p>
         </p:txBody>
       </p:sp>
-      <p:cxnSp>
-        <p:nvCxnSpPr>
-          <p:cNvPr id="202" name="직선 화살표 연결선 201">
-            <a:extLst>
-              <a:ext uri="{FF2B5EF4-FFF2-40B4-BE49-F238E27FC236}">
-                <a16:creationId xmlns:a16="http://schemas.microsoft.com/office/drawing/2014/main" id="{82F51B57-CABC-4365-A3D0-A24FFF3BA14C}"/>
-              </a:ext>
-            </a:extLst>
-          </p:cNvPr>
-          <p:cNvCxnSpPr>
-            <a:cxnSpLocks/>
-            <a:stCxn id="83" idx="3"/>
-            <a:endCxn id="92" idx="1"/>
-          </p:cNvCxnSpPr>
-          <p:nvPr/>
-        </p:nvCxnSpPr>
-        <p:spPr>
-          <a:xfrm flipV="1">
-            <a:off x="4771674" y="3813307"/>
-            <a:ext cx="6019218" cy="1928620"/>
-          </a:xfrm>
-          <a:prstGeom prst="straightConnector1">
-            <a:avLst/>
-          </a:prstGeom>
-          <a:ln w="25400">
-            <a:solidFill>
-              <a:srgbClr val="5D9CA1"/>
-            </a:solidFill>
-            <a:prstDash val="solid"/>
-            <a:headEnd type="triangle" w="lg" len="lg"/>
-            <a:tailEnd type="none" w="lg" len="lg"/>
-          </a:ln>
-        </p:spPr>
-        <p:style>
-          <a:lnRef idx="1">
-            <a:schemeClr val="accent1"/>
-          </a:lnRef>
-          <a:fillRef idx="0">
-            <a:schemeClr val="accent1"/>
-          </a:fillRef>
-          <a:effectRef idx="0">
-            <a:schemeClr val="accent1"/>
-          </a:effectRef>
-          <a:fontRef idx="minor">
-            <a:schemeClr val="tx1"/>
-          </a:fontRef>
-        </p:style>
-      </p:cxnSp>
     </p:spTree>
     <p:extLst>
       <p:ext uri="{BB962C8B-B14F-4D97-AF65-F5344CB8AC3E}">
